--- a/Dashboard_SAPRE.pptx
+++ b/Dashboard_SAPRE.pptx
@@ -6,14 +6,16 @@
   </p:sldMasterIdLst>
   <p:sldIdLst>
     <p:sldId id="262" r:id="rId2"/>
-    <p:sldId id="263" r:id="rId3"/>
-    <p:sldId id="270" r:id="rId4"/>
-    <p:sldId id="264" r:id="rId5"/>
-    <p:sldId id="265" r:id="rId6"/>
-    <p:sldId id="266" r:id="rId7"/>
-    <p:sldId id="268" r:id="rId8"/>
-    <p:sldId id="269" r:id="rId9"/>
-    <p:sldId id="271" r:id="rId10"/>
+    <p:sldId id="272" r:id="rId3"/>
+    <p:sldId id="263" r:id="rId4"/>
+    <p:sldId id="270" r:id="rId5"/>
+    <p:sldId id="264" r:id="rId6"/>
+    <p:sldId id="265" r:id="rId7"/>
+    <p:sldId id="266" r:id="rId8"/>
+    <p:sldId id="268" r:id="rId9"/>
+    <p:sldId id="269" r:id="rId10"/>
+    <p:sldId id="271" r:id="rId11"/>
+    <p:sldId id="273" r:id="rId12"/>
   </p:sldIdLst>
   <p:sldSz cx="9144000" cy="6858000" type="screen4x3"/>
   <p:notesSz cx="6858000" cy="9144000"/>
@@ -3230,7 +3232,7 @@
         <p:spPr>
           <a:xfrm>
             <a:off x="1371600" y="3886200"/>
-            <a:ext cx="6400800" cy="1752600"/>
+            <a:ext cx="6400800" cy="1081454"/>
           </a:xfrm>
           <a:prstGeom prst="rect">
             <a:avLst/>
@@ -3401,6 +3403,345 @@
     <p:extLst>
       <p:ext uri="{BB962C8B-B14F-4D97-AF65-F5344CB8AC3E}">
         <p14:creationId xmlns:p14="http://schemas.microsoft.com/office/powerpoint/2010/main" val="3505972197"/>
+      </p:ext>
+    </p:extLst>
+  </p:cSld>
+  <p:clrMapOvr>
+    <a:masterClrMapping/>
+  </p:clrMapOvr>
+</p:sld>
+</file>
+
+<file path=ppt/slides/slide10.xml><?xml version="1.0" encoding="utf-8"?>
+<p:sld xmlns:a="http://schemas.openxmlformats.org/drawingml/2006/main" xmlns:r="http://schemas.openxmlformats.org/officeDocument/2006/relationships" xmlns:p="http://schemas.openxmlformats.org/presentationml/2006/main">
+  <p:cSld>
+    <p:spTree>
+      <p:nvGrpSpPr>
+        <p:cNvPr id="1" name=""/>
+        <p:cNvGrpSpPr/>
+        <p:nvPr/>
+      </p:nvGrpSpPr>
+      <p:grpSpPr>
+        <a:xfrm>
+          <a:off x="0" y="0"/>
+          <a:ext cx="0" cy="0"/>
+          <a:chOff x="0" y="0"/>
+          <a:chExt cx="0" cy="0"/>
+        </a:xfrm>
+      </p:grpSpPr>
+      <p:pic>
+        <p:nvPicPr>
+          <p:cNvPr id="4" name="Imagem 3"/>
+          <p:cNvPicPr>
+            <a:picLocks noChangeAspect="1"/>
+          </p:cNvPicPr>
+          <p:nvPr/>
+        </p:nvPicPr>
+        <p:blipFill>
+          <a:blip r:embed="rId2">
+            <a:extLst>
+              <a:ext uri="{28A0092B-C50C-407E-A947-70E740481C1C}">
+                <a14:useLocalDpi xmlns:a14="http://schemas.microsoft.com/office/drawing/2010/main" val="0"/>
+              </a:ext>
+            </a:extLst>
+          </a:blip>
+          <a:stretch>
+            <a:fillRect/>
+          </a:stretch>
+        </p:blipFill>
+        <p:spPr>
+          <a:xfrm>
+            <a:off x="0" y="935182"/>
+            <a:ext cx="9144000" cy="4987636"/>
+          </a:xfrm>
+          <a:prstGeom prst="rect">
+            <a:avLst/>
+          </a:prstGeom>
+        </p:spPr>
+      </p:pic>
+      <p:sp>
+        <p:nvSpPr>
+          <p:cNvPr id="5" name="Title 1"/>
+          <p:cNvSpPr>
+            <a:spLocks noGrp="1"/>
+          </p:cNvSpPr>
+          <p:nvPr>
+            <p:ph type="title"/>
+          </p:nvPr>
+        </p:nvSpPr>
+        <p:spPr>
+          <a:xfrm>
+            <a:off x="2031024" y="1927592"/>
+            <a:ext cx="4857750" cy="657347"/>
+          </a:xfrm>
+        </p:spPr>
+        <p:txBody>
+          <a:bodyPr>
+            <a:normAutofit fontScale="90000"/>
+          </a:bodyPr>
+          <a:lstStyle/>
+          <a:p>
+            <a:r>
+              <a:rPr lang="pt-BR" b="1" dirty="0" smtClean="0">
+                <a:solidFill>
+                  <a:schemeClr val="bg1"/>
+                </a:solidFill>
+              </a:rPr>
+              <a:t>Conclusão</a:t>
+            </a:r>
+            <a:endParaRPr b="1" dirty="0">
+              <a:solidFill>
+                <a:schemeClr val="bg1"/>
+              </a:solidFill>
+            </a:endParaRPr>
+          </a:p>
+        </p:txBody>
+      </p:sp>
+      <p:sp>
+        <p:nvSpPr>
+          <p:cNvPr id="6" name="Content Placeholder 2"/>
+          <p:cNvSpPr>
+            <a:spLocks noGrp="1"/>
+          </p:cNvSpPr>
+          <p:nvPr>
+            <p:ph idx="1"/>
+          </p:nvPr>
+        </p:nvSpPr>
+        <p:spPr>
+          <a:xfrm>
+            <a:off x="949569" y="3165232"/>
+            <a:ext cx="7508631" cy="2681653"/>
+          </a:xfrm>
+        </p:spPr>
+        <p:txBody>
+          <a:bodyPr>
+            <a:normAutofit/>
+          </a:bodyPr>
+          <a:lstStyle/>
+          <a:p>
+            <a:r>
+              <a:rPr lang="pt-BR" sz="2500" dirty="0">
+                <a:solidFill>
+                  <a:schemeClr val="bg1"/>
+                </a:solidFill>
+              </a:rPr>
+              <a:t>Advogados podem acompanhar rapidamente os honorários e precatórios de seus clientes</a:t>
+            </a:r>
+            <a:r>
+              <a:rPr lang="pt-BR" sz="2500" dirty="0" smtClean="0">
+                <a:solidFill>
+                  <a:schemeClr val="bg1"/>
+                </a:solidFill>
+              </a:rPr>
+              <a:t>.</a:t>
+            </a:r>
+            <a:endParaRPr lang="pt-BR" sz="2500" dirty="0">
+              <a:solidFill>
+                <a:schemeClr val="bg1"/>
+              </a:solidFill>
+            </a:endParaRPr>
+          </a:p>
+          <a:p>
+            <a:r>
+              <a:rPr lang="pt-BR" sz="2500" dirty="0">
+                <a:solidFill>
+                  <a:schemeClr val="bg1"/>
+                </a:solidFill>
+              </a:rPr>
+              <a:t>Servidores podem monitorar precatórios com pendência de documentos</a:t>
+            </a:r>
+            <a:r>
+              <a:rPr lang="pt-BR" sz="2500" dirty="0" smtClean="0">
+                <a:solidFill>
+                  <a:schemeClr val="bg1"/>
+                </a:solidFill>
+              </a:rPr>
+              <a:t>.</a:t>
+            </a:r>
+            <a:endParaRPr lang="pt-BR" sz="2500" dirty="0">
+              <a:solidFill>
+                <a:schemeClr val="bg1"/>
+              </a:solidFill>
+            </a:endParaRPr>
+          </a:p>
+          <a:p>
+            <a:r>
+              <a:rPr lang="pt-BR" sz="2500" dirty="0">
+                <a:solidFill>
+                  <a:schemeClr val="bg1"/>
+                </a:solidFill>
+              </a:rPr>
+              <a:t>Gestores podem analisar indicadores gerais sem precisar de consultas demoradas no SAPRE.</a:t>
+            </a:r>
+          </a:p>
+        </p:txBody>
+      </p:sp>
+    </p:spTree>
+    <p:extLst>
+      <p:ext uri="{BB962C8B-B14F-4D97-AF65-F5344CB8AC3E}">
+        <p14:creationId xmlns:p14="http://schemas.microsoft.com/office/powerpoint/2010/main" val="3551415199"/>
+      </p:ext>
+    </p:extLst>
+  </p:cSld>
+  <p:clrMapOvr>
+    <a:masterClrMapping/>
+  </p:clrMapOvr>
+</p:sld>
+</file>
+
+<file path=ppt/slides/slide11.xml><?xml version="1.0" encoding="utf-8"?>
+<p:sld xmlns:a="http://schemas.openxmlformats.org/drawingml/2006/main" xmlns:r="http://schemas.openxmlformats.org/officeDocument/2006/relationships" xmlns:p="http://schemas.openxmlformats.org/presentationml/2006/main">
+  <p:cSld>
+    <p:spTree>
+      <p:nvGrpSpPr>
+        <p:cNvPr id="1" name=""/>
+        <p:cNvGrpSpPr/>
+        <p:nvPr/>
+      </p:nvGrpSpPr>
+      <p:grpSpPr>
+        <a:xfrm>
+          <a:off x="0" y="0"/>
+          <a:ext cx="0" cy="0"/>
+          <a:chOff x="0" y="0"/>
+          <a:chExt cx="0" cy="0"/>
+        </a:xfrm>
+      </p:grpSpPr>
+      <p:pic>
+        <p:nvPicPr>
+          <p:cNvPr id="4" name="Imagem 3"/>
+          <p:cNvPicPr>
+            <a:picLocks noChangeAspect="1"/>
+          </p:cNvPicPr>
+          <p:nvPr/>
+        </p:nvPicPr>
+        <p:blipFill>
+          <a:blip r:embed="rId2">
+            <a:extLst>
+              <a:ext uri="{28A0092B-C50C-407E-A947-70E740481C1C}">
+                <a14:useLocalDpi xmlns:a14="http://schemas.microsoft.com/office/drawing/2010/main" val="0"/>
+              </a:ext>
+            </a:extLst>
+          </a:blip>
+          <a:stretch>
+            <a:fillRect/>
+          </a:stretch>
+        </p:blipFill>
+        <p:spPr>
+          <a:xfrm>
+            <a:off x="0" y="935182"/>
+            <a:ext cx="9144000" cy="4987636"/>
+          </a:xfrm>
+          <a:prstGeom prst="rect">
+            <a:avLst/>
+          </a:prstGeom>
+        </p:spPr>
+      </p:pic>
+      <p:sp>
+        <p:nvSpPr>
+          <p:cNvPr id="5" name="Title 1"/>
+          <p:cNvSpPr>
+            <a:spLocks noGrp="1"/>
+          </p:cNvSpPr>
+          <p:nvPr>
+            <p:ph type="title"/>
+          </p:nvPr>
+        </p:nvSpPr>
+        <p:spPr>
+          <a:xfrm>
+            <a:off x="2031024" y="1927592"/>
+            <a:ext cx="4857750" cy="657347"/>
+          </a:xfrm>
+        </p:spPr>
+        <p:txBody>
+          <a:bodyPr>
+            <a:normAutofit fontScale="90000"/>
+          </a:bodyPr>
+          <a:lstStyle/>
+          <a:p>
+            <a:r>
+              <a:rPr lang="pt-BR" b="1" dirty="0" smtClean="0">
+                <a:solidFill>
+                  <a:schemeClr val="bg1"/>
+                </a:solidFill>
+              </a:rPr>
+              <a:t>Melhorias</a:t>
+            </a:r>
+            <a:endParaRPr b="1" dirty="0">
+              <a:solidFill>
+                <a:schemeClr val="bg1"/>
+              </a:solidFill>
+            </a:endParaRPr>
+          </a:p>
+        </p:txBody>
+      </p:sp>
+      <p:sp>
+        <p:nvSpPr>
+          <p:cNvPr id="6" name="Content Placeholder 2"/>
+          <p:cNvSpPr>
+            <a:spLocks noGrp="1"/>
+          </p:cNvSpPr>
+          <p:nvPr>
+            <p:ph idx="1"/>
+          </p:nvPr>
+        </p:nvSpPr>
+        <p:spPr>
+          <a:xfrm>
+            <a:off x="1356213" y="4519247"/>
+            <a:ext cx="6431573" cy="1019908"/>
+          </a:xfrm>
+        </p:spPr>
+        <p:txBody>
+          <a:bodyPr>
+            <a:normAutofit/>
+          </a:bodyPr>
+          <a:lstStyle/>
+          <a:p>
+            <a:r>
+              <a:rPr lang="pt-BR" sz="2500" dirty="0" smtClean="0">
+                <a:solidFill>
+                  <a:schemeClr val="bg1"/>
+                </a:solidFill>
+              </a:rPr>
+              <a:t>Integrar a aplicação ao BD do SAPRE TJBA.</a:t>
+            </a:r>
+          </a:p>
+          <a:p>
+            <a:r>
+              <a:rPr lang="pt-BR" sz="2500" dirty="0" smtClean="0">
+                <a:solidFill>
+                  <a:schemeClr val="bg1"/>
+                </a:solidFill>
+              </a:rPr>
+              <a:t>Melhorar </a:t>
+            </a:r>
+            <a:r>
+              <a:rPr lang="pt-BR" sz="2500" dirty="0" smtClean="0">
+                <a:solidFill>
+                  <a:schemeClr val="bg1"/>
+                </a:solidFill>
+              </a:rPr>
+              <a:t>visões, filtros, gráficos</a:t>
+            </a:r>
+            <a:r>
+              <a:rPr lang="pt-BR" sz="2500" dirty="0">
+                <a:solidFill>
+                  <a:schemeClr val="bg1"/>
+                </a:solidFill>
+              </a:rPr>
+              <a:t>.</a:t>
+            </a:r>
+            <a:endParaRPr lang="pt-BR" sz="2500" dirty="0" smtClean="0">
+              <a:solidFill>
+                <a:schemeClr val="bg1"/>
+              </a:solidFill>
+            </a:endParaRPr>
+          </a:p>
+        </p:txBody>
+      </p:sp>
+    </p:spTree>
+    <p:extLst>
+      <p:ext uri="{BB962C8B-B14F-4D97-AF65-F5344CB8AC3E}">
+        <p14:creationId xmlns:p14="http://schemas.microsoft.com/office/powerpoint/2010/main" val="2427291020"/>
       </p:ext>
     </p:extLst>
   </p:cSld>
@@ -3460,316 +3801,333 @@
       <p:sp>
         <p:nvSpPr>
           <p:cNvPr id="5" name="Title 1"/>
-          <p:cNvSpPr>
-            <a:spLocks noGrp="1"/>
-          </p:cNvSpPr>
-          <p:nvPr>
-            <p:ph type="title"/>
-          </p:nvPr>
+          <p:cNvSpPr txBox="1">
+            <a:spLocks/>
+          </p:cNvSpPr>
+          <p:nvPr/>
         </p:nvSpPr>
         <p:spPr>
           <a:xfrm>
-            <a:off x="2272811" y="1910007"/>
-            <a:ext cx="4598377" cy="446331"/>
+            <a:off x="1912327" y="2045188"/>
+            <a:ext cx="5319346" cy="621567"/>
           </a:xfrm>
+          <a:prstGeom prst="rect">
+            <a:avLst/>
+          </a:prstGeom>
         </p:spPr>
         <p:txBody>
-          <a:bodyPr>
-            <a:normAutofit fontScale="90000"/>
+          <a:bodyPr vert="horz" lIns="91440" tIns="45720" rIns="91440" bIns="45720" rtlCol="0" anchor="ctr">
+            <a:noAutofit/>
           </a:bodyPr>
-          <a:lstStyle/>
-          <a:p>
-            <a:r>
-              <a:rPr b="1" dirty="0" smtClean="0">
-                <a:solidFill>
-                  <a:schemeClr val="bg1"/>
-                </a:solidFill>
-              </a:rPr>
-              <a:t>O </a:t>
-            </a:r>
-            <a:r>
-              <a:rPr b="1" dirty="0">
-                <a:solidFill>
-                  <a:schemeClr val="bg1"/>
-                </a:solidFill>
-              </a:rPr>
-              <a:t>que é o SAPRE?</a:t>
-            </a:r>
-          </a:p>
-        </p:txBody>
-      </p:sp>
-      <p:sp>
-        <p:nvSpPr>
-          <p:cNvPr id="6" name="Content Placeholder 2"/>
-          <p:cNvSpPr>
-            <a:spLocks noGrp="1"/>
-          </p:cNvSpPr>
-          <p:nvPr>
-            <p:ph idx="1"/>
-          </p:nvPr>
+          <a:lstStyle>
+            <a:lvl1pPr algn="ctr" defTabSz="457200" rtl="0" eaLnBrk="1" latinLnBrk="0" hangingPunct="1">
+              <a:spcBef>
+                <a:spcPct val="0"/>
+              </a:spcBef>
+              <a:buNone/>
+              <a:defRPr sz="4400" kern="1200">
+                <a:solidFill>
+                  <a:schemeClr val="tx1"/>
+                </a:solidFill>
+                <a:latin typeface="+mj-lt"/>
+                <a:ea typeface="+mj-ea"/>
+                <a:cs typeface="+mj-cs"/>
+              </a:defRPr>
+            </a:lvl1pPr>
+          </a:lstStyle>
+          <a:p>
+            <a:r>
+              <a:rPr lang="pt-BR" sz="4000" b="1" dirty="0">
+                <a:solidFill>
+                  <a:schemeClr val="bg1"/>
+                </a:solidFill>
+              </a:rPr>
+              <a:t>Participantes do Projeto</a:t>
+            </a:r>
+            <a:endParaRPr lang="pt-BR" sz="4000" b="1" dirty="0">
+              <a:solidFill>
+                <a:schemeClr val="bg1"/>
+              </a:solidFill>
+            </a:endParaRPr>
+          </a:p>
+        </p:txBody>
+      </p:sp>
+      <p:sp>
+        <p:nvSpPr>
+          <p:cNvPr id="6" name="Subtitle 2"/>
+          <p:cNvSpPr txBox="1">
+            <a:spLocks/>
+          </p:cNvSpPr>
+          <p:nvPr/>
         </p:nvSpPr>
         <p:spPr>
           <a:xfrm>
-            <a:off x="1354015" y="2976197"/>
-            <a:ext cx="6611815" cy="2751992"/>
+            <a:off x="1371600" y="4040508"/>
+            <a:ext cx="6400800" cy="1752600"/>
           </a:xfrm>
+          <a:prstGeom prst="rect">
+            <a:avLst/>
+          </a:prstGeom>
         </p:spPr>
         <p:txBody>
-          <a:bodyPr>
-            <a:normAutofit fontScale="92500" lnSpcReduction="10000"/>
+          <a:bodyPr vert="horz" lIns="91440" tIns="45720" rIns="91440" bIns="45720" rtlCol="0">
+            <a:noAutofit/>
           </a:bodyPr>
-          <a:lstStyle/>
-          <a:p>
-            <a:pPr marL="0" indent="0" algn="ctr">
-              <a:buNone/>
-            </a:pPr>
-            <a:r>
-              <a:rPr dirty="0">
-                <a:solidFill>
-                  <a:schemeClr val="bg1"/>
-                </a:solidFill>
-              </a:rPr>
-              <a:t>O SAPRE (Sistema de </a:t>
-            </a:r>
-            <a:r>
-              <a:rPr dirty="0" err="1">
-                <a:solidFill>
-                  <a:schemeClr val="bg1"/>
-                </a:solidFill>
-              </a:rPr>
-              <a:t>Administração</a:t>
-            </a:r>
-            <a:r>
-              <a:rPr dirty="0">
-                <a:solidFill>
-                  <a:schemeClr val="bg1"/>
-                </a:solidFill>
-              </a:rPr>
-              <a:t> de </a:t>
-            </a:r>
-            <a:r>
-              <a:rPr dirty="0" err="1">
-                <a:solidFill>
-                  <a:schemeClr val="bg1"/>
-                </a:solidFill>
-              </a:rPr>
-              <a:t>Precatórios</a:t>
-            </a:r>
-            <a:r>
-              <a:rPr dirty="0">
-                <a:solidFill>
-                  <a:schemeClr val="bg1"/>
-                </a:solidFill>
-              </a:rPr>
-              <a:t>) é a </a:t>
-            </a:r>
-            <a:r>
-              <a:rPr dirty="0" err="1">
-                <a:solidFill>
-                  <a:schemeClr val="bg1"/>
-                </a:solidFill>
-              </a:rPr>
-              <a:t>plataforma</a:t>
-            </a:r>
-            <a:r>
-              <a:rPr dirty="0">
-                <a:solidFill>
-                  <a:schemeClr val="bg1"/>
-                </a:solidFill>
-              </a:rPr>
-              <a:t> do TJBA para </a:t>
-            </a:r>
-            <a:r>
-              <a:rPr dirty="0" err="1">
-                <a:solidFill>
-                  <a:schemeClr val="bg1"/>
-                </a:solidFill>
-              </a:rPr>
-              <a:t>gerenciar</a:t>
-            </a:r>
-            <a:r>
-              <a:rPr dirty="0">
-                <a:solidFill>
-                  <a:schemeClr val="bg1"/>
-                </a:solidFill>
-              </a:rPr>
-              <a:t> </a:t>
-            </a:r>
-            <a:r>
-              <a:rPr dirty="0" err="1">
-                <a:solidFill>
-                  <a:schemeClr val="bg1"/>
-                </a:solidFill>
-              </a:rPr>
-              <a:t>precatórios</a:t>
-            </a:r>
-            <a:r>
-              <a:rPr dirty="0">
-                <a:solidFill>
-                  <a:schemeClr val="bg1"/>
-                </a:solidFill>
-              </a:rPr>
-              <a:t> e RPVs. </a:t>
-            </a:r>
-            <a:r>
-              <a:rPr dirty="0" err="1">
-                <a:solidFill>
-                  <a:schemeClr val="bg1"/>
-                </a:solidFill>
-              </a:rPr>
-              <a:t>Permite</a:t>
-            </a:r>
-            <a:r>
-              <a:rPr dirty="0">
-                <a:solidFill>
-                  <a:schemeClr val="bg1"/>
-                </a:solidFill>
-              </a:rPr>
-              <a:t> </a:t>
-            </a:r>
-            <a:r>
-              <a:rPr dirty="0" err="1">
-                <a:solidFill>
-                  <a:schemeClr val="bg1"/>
-                </a:solidFill>
-              </a:rPr>
-              <a:t>acompanhar</a:t>
-            </a:r>
-            <a:r>
-              <a:rPr dirty="0">
-                <a:solidFill>
-                  <a:schemeClr val="bg1"/>
-                </a:solidFill>
-              </a:rPr>
-              <a:t> </a:t>
-            </a:r>
-            <a:r>
-              <a:rPr dirty="0" err="1">
-                <a:solidFill>
-                  <a:schemeClr val="bg1"/>
-                </a:solidFill>
-              </a:rPr>
-              <a:t>cadastro</a:t>
-            </a:r>
-            <a:r>
-              <a:rPr dirty="0">
-                <a:solidFill>
-                  <a:schemeClr val="bg1"/>
-                </a:solidFill>
-              </a:rPr>
-              <a:t>, </a:t>
-            </a:r>
-            <a:r>
-              <a:rPr dirty="0" err="1">
-                <a:solidFill>
-                  <a:schemeClr val="bg1"/>
-                </a:solidFill>
-              </a:rPr>
-              <a:t>tramitação</a:t>
-            </a:r>
-            <a:r>
-              <a:rPr dirty="0">
-                <a:solidFill>
-                  <a:schemeClr val="bg1"/>
-                </a:solidFill>
-              </a:rPr>
-              <a:t>, </a:t>
-            </a:r>
-            <a:r>
-              <a:rPr dirty="0" err="1">
-                <a:solidFill>
-                  <a:schemeClr val="bg1"/>
-                </a:solidFill>
-              </a:rPr>
-              <a:t>situações</a:t>
-            </a:r>
-            <a:r>
-              <a:rPr dirty="0">
-                <a:solidFill>
-                  <a:schemeClr val="bg1"/>
-                </a:solidFill>
-              </a:rPr>
-              <a:t> </a:t>
-            </a:r>
-            <a:r>
-              <a:rPr dirty="0" err="1">
-                <a:solidFill>
-                  <a:schemeClr val="bg1"/>
-                </a:solidFill>
-              </a:rPr>
-              <a:t>processuais</a:t>
-            </a:r>
-            <a:r>
-              <a:rPr dirty="0">
-                <a:solidFill>
-                  <a:schemeClr val="bg1"/>
-                </a:solidFill>
-              </a:rPr>
-              <a:t>, </a:t>
-            </a:r>
-            <a:r>
-              <a:rPr dirty="0" err="1">
-                <a:solidFill>
-                  <a:schemeClr val="bg1"/>
-                </a:solidFill>
-              </a:rPr>
-              <a:t>controle</a:t>
-            </a:r>
-            <a:r>
-              <a:rPr dirty="0">
-                <a:solidFill>
-                  <a:schemeClr val="bg1"/>
-                </a:solidFill>
-              </a:rPr>
-              <a:t> de </a:t>
-            </a:r>
-            <a:r>
-              <a:rPr dirty="0" err="1">
-                <a:solidFill>
-                  <a:schemeClr val="bg1"/>
-                </a:solidFill>
-              </a:rPr>
-              <a:t>documentos</a:t>
-            </a:r>
-            <a:r>
-              <a:rPr dirty="0">
-                <a:solidFill>
-                  <a:schemeClr val="bg1"/>
-                </a:solidFill>
-              </a:rPr>
-              <a:t> e </a:t>
-            </a:r>
-            <a:r>
-              <a:rPr dirty="0" err="1">
-                <a:solidFill>
-                  <a:schemeClr val="bg1"/>
-                </a:solidFill>
-              </a:rPr>
-              <a:t>honorários</a:t>
-            </a:r>
-            <a:r>
-              <a:rPr dirty="0">
-                <a:solidFill>
-                  <a:schemeClr val="bg1"/>
-                </a:solidFill>
-              </a:rPr>
-              <a:t> </a:t>
-            </a:r>
-            <a:r>
-              <a:rPr dirty="0" err="1">
-                <a:solidFill>
-                  <a:schemeClr val="bg1"/>
-                </a:solidFill>
-              </a:rPr>
-              <a:t>advocatícios</a:t>
-            </a:r>
-            <a:r>
-              <a:rPr dirty="0">
-                <a:solidFill>
-                  <a:schemeClr val="bg1"/>
-                </a:solidFill>
-              </a:rPr>
-              <a:t>.</a:t>
+          <a:lstStyle>
+            <a:lvl1pPr marL="342900" indent="-342900" algn="l" defTabSz="457200" rtl="0" eaLnBrk="1" latinLnBrk="0" hangingPunct="1">
+              <a:spcBef>
+                <a:spcPct val="20000"/>
+              </a:spcBef>
+              <a:buFont typeface="Arial"/>
+              <a:buChar char="•"/>
+              <a:defRPr sz="3200" kern="1200">
+                <a:solidFill>
+                  <a:schemeClr val="tx1"/>
+                </a:solidFill>
+                <a:latin typeface="+mn-lt"/>
+                <a:ea typeface="+mn-ea"/>
+                <a:cs typeface="+mn-cs"/>
+              </a:defRPr>
+            </a:lvl1pPr>
+            <a:lvl2pPr marL="742950" indent="-285750" algn="l" defTabSz="457200" rtl="0" eaLnBrk="1" latinLnBrk="0" hangingPunct="1">
+              <a:spcBef>
+                <a:spcPct val="20000"/>
+              </a:spcBef>
+              <a:buFont typeface="Arial"/>
+              <a:buChar char="–"/>
+              <a:defRPr sz="2800" kern="1200">
+                <a:solidFill>
+                  <a:schemeClr val="tx1"/>
+                </a:solidFill>
+                <a:latin typeface="+mn-lt"/>
+                <a:ea typeface="+mn-ea"/>
+                <a:cs typeface="+mn-cs"/>
+              </a:defRPr>
+            </a:lvl2pPr>
+            <a:lvl3pPr marL="1143000" indent="-228600" algn="l" defTabSz="457200" rtl="0" eaLnBrk="1" latinLnBrk="0" hangingPunct="1">
+              <a:spcBef>
+                <a:spcPct val="20000"/>
+              </a:spcBef>
+              <a:buFont typeface="Arial"/>
+              <a:buChar char="•"/>
+              <a:defRPr sz="2400" kern="1200">
+                <a:solidFill>
+                  <a:schemeClr val="tx1"/>
+                </a:solidFill>
+                <a:latin typeface="+mn-lt"/>
+                <a:ea typeface="+mn-ea"/>
+                <a:cs typeface="+mn-cs"/>
+              </a:defRPr>
+            </a:lvl3pPr>
+            <a:lvl4pPr marL="1600200" indent="-228600" algn="l" defTabSz="457200" rtl="0" eaLnBrk="1" latinLnBrk="0" hangingPunct="1">
+              <a:spcBef>
+                <a:spcPct val="20000"/>
+              </a:spcBef>
+              <a:buFont typeface="Arial"/>
+              <a:buChar char="–"/>
+              <a:defRPr sz="2000" kern="1200">
+                <a:solidFill>
+                  <a:schemeClr val="tx1"/>
+                </a:solidFill>
+                <a:latin typeface="+mn-lt"/>
+                <a:ea typeface="+mn-ea"/>
+                <a:cs typeface="+mn-cs"/>
+              </a:defRPr>
+            </a:lvl4pPr>
+            <a:lvl5pPr marL="2057400" indent="-228600" algn="l" defTabSz="457200" rtl="0" eaLnBrk="1" latinLnBrk="0" hangingPunct="1">
+              <a:spcBef>
+                <a:spcPct val="20000"/>
+              </a:spcBef>
+              <a:buFont typeface="Arial"/>
+              <a:buChar char="»"/>
+              <a:defRPr sz="2000" kern="1200">
+                <a:solidFill>
+                  <a:schemeClr val="tx1"/>
+                </a:solidFill>
+                <a:latin typeface="+mn-lt"/>
+                <a:ea typeface="+mn-ea"/>
+                <a:cs typeface="+mn-cs"/>
+              </a:defRPr>
+            </a:lvl5pPr>
+            <a:lvl6pPr marL="2514600" indent="-228600" algn="l" defTabSz="457200" rtl="0" eaLnBrk="1" latinLnBrk="0" hangingPunct="1">
+              <a:spcBef>
+                <a:spcPct val="20000"/>
+              </a:spcBef>
+              <a:buFont typeface="Arial"/>
+              <a:buChar char="•"/>
+              <a:defRPr sz="2000" kern="1200">
+                <a:solidFill>
+                  <a:schemeClr val="tx1"/>
+                </a:solidFill>
+                <a:latin typeface="+mn-lt"/>
+                <a:ea typeface="+mn-ea"/>
+                <a:cs typeface="+mn-cs"/>
+              </a:defRPr>
+            </a:lvl6pPr>
+            <a:lvl7pPr marL="2971800" indent="-228600" algn="l" defTabSz="457200" rtl="0" eaLnBrk="1" latinLnBrk="0" hangingPunct="1">
+              <a:spcBef>
+                <a:spcPct val="20000"/>
+              </a:spcBef>
+              <a:buFont typeface="Arial"/>
+              <a:buChar char="•"/>
+              <a:defRPr sz="2000" kern="1200">
+                <a:solidFill>
+                  <a:schemeClr val="tx1"/>
+                </a:solidFill>
+                <a:latin typeface="+mn-lt"/>
+                <a:ea typeface="+mn-ea"/>
+                <a:cs typeface="+mn-cs"/>
+              </a:defRPr>
+            </a:lvl7pPr>
+            <a:lvl8pPr marL="3429000" indent="-228600" algn="l" defTabSz="457200" rtl="0" eaLnBrk="1" latinLnBrk="0" hangingPunct="1">
+              <a:spcBef>
+                <a:spcPct val="20000"/>
+              </a:spcBef>
+              <a:buFont typeface="Arial"/>
+              <a:buChar char="•"/>
+              <a:defRPr sz="2000" kern="1200">
+                <a:solidFill>
+                  <a:schemeClr val="tx1"/>
+                </a:solidFill>
+                <a:latin typeface="+mn-lt"/>
+                <a:ea typeface="+mn-ea"/>
+                <a:cs typeface="+mn-cs"/>
+              </a:defRPr>
+            </a:lvl8pPr>
+            <a:lvl9pPr marL="3886200" indent="-228600" algn="l" defTabSz="457200" rtl="0" eaLnBrk="1" latinLnBrk="0" hangingPunct="1">
+              <a:spcBef>
+                <a:spcPct val="20000"/>
+              </a:spcBef>
+              <a:buFont typeface="Arial"/>
+              <a:buChar char="•"/>
+              <a:defRPr sz="2000" kern="1200">
+                <a:solidFill>
+                  <a:schemeClr val="tx1"/>
+                </a:solidFill>
+                <a:latin typeface="+mn-lt"/>
+                <a:ea typeface="+mn-ea"/>
+                <a:cs typeface="+mn-cs"/>
+              </a:defRPr>
+            </a:lvl9pPr>
+          </a:lstStyle>
+          <a:p>
+            <a:r>
+              <a:rPr lang="pt-BR" sz="2500" dirty="0">
+                <a:solidFill>
+                  <a:schemeClr val="bg1"/>
+                </a:solidFill>
+              </a:rPr>
+              <a:t>Maria </a:t>
+            </a:r>
+            <a:r>
+              <a:rPr lang="pt-BR" sz="2500" dirty="0" err="1">
+                <a:solidFill>
+                  <a:schemeClr val="bg1"/>
+                </a:solidFill>
+              </a:rPr>
+              <a:t>Hilmar</a:t>
+            </a:r>
+            <a:r>
+              <a:rPr lang="pt-BR" sz="2500" dirty="0">
+                <a:solidFill>
+                  <a:schemeClr val="bg1"/>
+                </a:solidFill>
+              </a:rPr>
+              <a:t> Gomes da Silva -</a:t>
+            </a:r>
+            <a:r>
+              <a:rPr lang="pt-BR" sz="2500" dirty="0" smtClean="0">
+                <a:solidFill>
+                  <a:schemeClr val="bg1"/>
+                </a:solidFill>
+              </a:rPr>
+              <a:t> 048601</a:t>
+            </a:r>
+          </a:p>
+          <a:p>
+            <a:r>
+              <a:rPr lang="pt-BR" sz="2500" dirty="0" smtClean="0">
+                <a:solidFill>
+                  <a:schemeClr val="bg1"/>
+                </a:solidFill>
+              </a:rPr>
+              <a:t>Roger </a:t>
+            </a:r>
+            <a:r>
+              <a:rPr lang="pt-BR" sz="2500" dirty="0">
+                <a:solidFill>
+                  <a:schemeClr val="bg1"/>
+                </a:solidFill>
+              </a:rPr>
+              <a:t>de Melo Guimarães Paulino </a:t>
+            </a:r>
+            <a:r>
+              <a:rPr lang="pt-BR" sz="2500" dirty="0" smtClean="0">
+                <a:solidFill>
+                  <a:schemeClr val="bg1"/>
+                </a:solidFill>
+              </a:rPr>
+              <a:t>- 047515</a:t>
+            </a:r>
+          </a:p>
+          <a:p>
+            <a:r>
+              <a:rPr lang="pt-BR" sz="2500" dirty="0" smtClean="0">
+                <a:solidFill>
+                  <a:schemeClr val="bg1"/>
+                </a:solidFill>
+              </a:rPr>
+              <a:t>Moacyr </a:t>
+            </a:r>
+            <a:r>
+              <a:rPr lang="pt-BR" sz="2500" dirty="0">
+                <a:solidFill>
+                  <a:schemeClr val="bg1"/>
+                </a:solidFill>
+              </a:rPr>
+              <a:t>de Oliveira Ribeiro Matos -</a:t>
+            </a:r>
+            <a:r>
+              <a:rPr lang="pt-BR" sz="2500" dirty="0" smtClean="0">
+                <a:solidFill>
+                  <a:schemeClr val="bg1"/>
+                </a:solidFill>
+              </a:rPr>
+              <a:t> 044781</a:t>
+            </a:r>
+          </a:p>
+          <a:p>
+            <a:r>
+              <a:rPr lang="pt-BR" sz="2500" dirty="0" smtClean="0">
+                <a:solidFill>
+                  <a:schemeClr val="bg1"/>
+                </a:solidFill>
+              </a:rPr>
+              <a:t>Iuri </a:t>
+            </a:r>
+            <a:r>
+              <a:rPr lang="pt-BR" sz="2500" dirty="0">
+                <a:solidFill>
+                  <a:schemeClr val="bg1"/>
+                </a:solidFill>
+              </a:rPr>
+              <a:t>Batista </a:t>
+            </a:r>
+            <a:r>
+              <a:rPr lang="pt-BR" sz="2500" dirty="0" err="1">
+                <a:solidFill>
+                  <a:schemeClr val="bg1"/>
+                </a:solidFill>
+              </a:rPr>
+              <a:t>Beserra</a:t>
+            </a:r>
+            <a:r>
+              <a:rPr lang="pt-BR" sz="2500" dirty="0">
+                <a:solidFill>
+                  <a:schemeClr val="bg1"/>
+                </a:solidFill>
+              </a:rPr>
+              <a:t> - 041487</a:t>
             </a:r>
           </a:p>
         </p:txBody>
@@ -3777,7 +4135,7 @@
     </p:spTree>
     <p:extLst>
       <p:ext uri="{BB962C8B-B14F-4D97-AF65-F5344CB8AC3E}">
-        <p14:creationId xmlns:p14="http://schemas.microsoft.com/office/powerpoint/2010/main" val="3110026385"/>
+        <p14:creationId xmlns:p14="http://schemas.microsoft.com/office/powerpoint/2010/main" val="2619359435"/>
       </p:ext>
     </p:extLst>
   </p:cSld>
@@ -3846,8 +4204,8 @@
         </p:nvSpPr>
         <p:spPr>
           <a:xfrm>
-            <a:off x="2031024" y="1927592"/>
-            <a:ext cx="4857750" cy="657347"/>
+            <a:off x="2272811" y="1910007"/>
+            <a:ext cx="4598377" cy="446331"/>
           </a:xfrm>
         </p:spPr>
         <p:txBody>
@@ -3857,18 +4215,21 @@
           <a:lstStyle/>
           <a:p>
             <a:r>
-              <a:rPr lang="pt-BR" b="1" dirty="0">
-                <a:solidFill>
-                  <a:schemeClr val="bg1"/>
-                </a:solidFill>
-              </a:rPr>
-              <a:t>Resumo</a:t>
-            </a:r>
-            <a:endParaRPr b="1" dirty="0">
-              <a:solidFill>
-                <a:schemeClr val="bg1"/>
-              </a:solidFill>
-            </a:endParaRPr>
+              <a:rPr b="1" dirty="0" smtClean="0">
+                <a:solidFill>
+                  <a:schemeClr val="bg1"/>
+                </a:solidFill>
+              </a:rPr>
+              <a:t>O </a:t>
+            </a:r>
+            <a:r>
+              <a:rPr b="1" dirty="0">
+                <a:solidFill>
+                  <a:schemeClr val="bg1"/>
+                </a:solidFill>
+              </a:rPr>
+              <a:t>que é o SAPRE?</a:t>
+            </a:r>
           </a:p>
         </p:txBody>
       </p:sp>
@@ -3884,8 +4245,8 @@
         </p:nvSpPr>
         <p:spPr>
           <a:xfrm>
-            <a:off x="1356212" y="3226777"/>
-            <a:ext cx="6431573" cy="2382715"/>
+            <a:off x="1362806" y="3429000"/>
+            <a:ext cx="6611815" cy="2404695"/>
           </a:xfrm>
         </p:spPr>
         <p:txBody>
@@ -3898,49 +4259,260 @@
               <a:buNone/>
             </a:pPr>
             <a:r>
-              <a:rPr lang="pt-BR" dirty="0">
-                <a:solidFill>
-                  <a:schemeClr val="bg1"/>
-                </a:solidFill>
-              </a:rPr>
-              <a:t>O </a:t>
-            </a:r>
-            <a:r>
-              <a:rPr lang="pt-BR" dirty="0" err="1">
-                <a:solidFill>
-                  <a:schemeClr val="bg1"/>
-                </a:solidFill>
-              </a:rPr>
-              <a:t>Dashboard</a:t>
-            </a:r>
-            <a:r>
-              <a:rPr lang="pt-BR" dirty="0">
-                <a:solidFill>
-                  <a:schemeClr val="bg1"/>
-                </a:solidFill>
-              </a:rPr>
-              <a:t> SAPRE facilita o monitoramento de precatórios no TJBA, com filtros, gráficos e relatórios </a:t>
-            </a:r>
-            <a:r>
-              <a:rPr lang="pt-BR" dirty="0" smtClean="0">
-                <a:solidFill>
-                  <a:schemeClr val="bg1"/>
-                </a:solidFill>
-              </a:rPr>
-              <a:t>automáticos.</a:t>
-            </a:r>
-            <a:endParaRPr lang="pt-BR" dirty="0">
-              <a:solidFill>
-                <a:schemeClr val="bg1"/>
-              </a:solidFill>
-            </a:endParaRPr>
+              <a:rPr sz="2500" dirty="0">
+                <a:solidFill>
+                  <a:schemeClr val="bg1"/>
+                </a:solidFill>
+              </a:rPr>
+              <a:t>O SAPRE (Sistema de </a:t>
+            </a:r>
+            <a:r>
+              <a:rPr sz="2500" dirty="0" err="1">
+                <a:solidFill>
+                  <a:schemeClr val="bg1"/>
+                </a:solidFill>
+              </a:rPr>
+              <a:t>Administração</a:t>
+            </a:r>
+            <a:r>
+              <a:rPr sz="2500" dirty="0">
+                <a:solidFill>
+                  <a:schemeClr val="bg1"/>
+                </a:solidFill>
+              </a:rPr>
+              <a:t> de </a:t>
+            </a:r>
+            <a:r>
+              <a:rPr sz="2500" dirty="0" err="1">
+                <a:solidFill>
+                  <a:schemeClr val="bg1"/>
+                </a:solidFill>
+              </a:rPr>
+              <a:t>Precatórios</a:t>
+            </a:r>
+            <a:r>
+              <a:rPr sz="2500" dirty="0">
+                <a:solidFill>
+                  <a:schemeClr val="bg1"/>
+                </a:solidFill>
+              </a:rPr>
+              <a:t>) é a </a:t>
+            </a:r>
+            <a:r>
+              <a:rPr sz="2500" dirty="0" err="1">
+                <a:solidFill>
+                  <a:schemeClr val="bg1"/>
+                </a:solidFill>
+              </a:rPr>
+              <a:t>plataforma</a:t>
+            </a:r>
+            <a:r>
+              <a:rPr sz="2500" dirty="0">
+                <a:solidFill>
+                  <a:schemeClr val="bg1"/>
+                </a:solidFill>
+              </a:rPr>
+              <a:t> do TJBA para </a:t>
+            </a:r>
+            <a:r>
+              <a:rPr sz="2500" dirty="0" err="1">
+                <a:solidFill>
+                  <a:schemeClr val="bg1"/>
+                </a:solidFill>
+              </a:rPr>
+              <a:t>gerenciar</a:t>
+            </a:r>
+            <a:r>
+              <a:rPr sz="2500" dirty="0">
+                <a:solidFill>
+                  <a:schemeClr val="bg1"/>
+                </a:solidFill>
+              </a:rPr>
+              <a:t> </a:t>
+            </a:r>
+            <a:r>
+              <a:rPr sz="2500" dirty="0" err="1">
+                <a:solidFill>
+                  <a:schemeClr val="bg1"/>
+                </a:solidFill>
+              </a:rPr>
+              <a:t>precatórios</a:t>
+            </a:r>
+            <a:r>
+              <a:rPr sz="2500" dirty="0">
+                <a:solidFill>
+                  <a:schemeClr val="bg1"/>
+                </a:solidFill>
+              </a:rPr>
+              <a:t> e RPVs. </a:t>
+            </a:r>
+            <a:r>
+              <a:rPr sz="2500" dirty="0" err="1">
+                <a:solidFill>
+                  <a:schemeClr val="bg1"/>
+                </a:solidFill>
+              </a:rPr>
+              <a:t>Permite</a:t>
+            </a:r>
+            <a:r>
+              <a:rPr sz="2500" dirty="0">
+                <a:solidFill>
+                  <a:schemeClr val="bg1"/>
+                </a:solidFill>
+              </a:rPr>
+              <a:t> </a:t>
+            </a:r>
+            <a:r>
+              <a:rPr sz="2500" dirty="0" err="1">
+                <a:solidFill>
+                  <a:schemeClr val="bg1"/>
+                </a:solidFill>
+              </a:rPr>
+              <a:t>acompanhar</a:t>
+            </a:r>
+            <a:r>
+              <a:rPr sz="2500" dirty="0">
+                <a:solidFill>
+                  <a:schemeClr val="bg1"/>
+                </a:solidFill>
+              </a:rPr>
+              <a:t> </a:t>
+            </a:r>
+            <a:r>
+              <a:rPr sz="2500" dirty="0" err="1">
+                <a:solidFill>
+                  <a:schemeClr val="bg1"/>
+                </a:solidFill>
+              </a:rPr>
+              <a:t>cadastro</a:t>
+            </a:r>
+            <a:r>
+              <a:rPr sz="2500" dirty="0">
+                <a:solidFill>
+                  <a:schemeClr val="bg1"/>
+                </a:solidFill>
+              </a:rPr>
+              <a:t>, </a:t>
+            </a:r>
+            <a:r>
+              <a:rPr sz="2500" dirty="0" err="1">
+                <a:solidFill>
+                  <a:schemeClr val="bg1"/>
+                </a:solidFill>
+              </a:rPr>
+              <a:t>tramitação</a:t>
+            </a:r>
+            <a:r>
+              <a:rPr sz="2500" dirty="0">
+                <a:solidFill>
+                  <a:schemeClr val="bg1"/>
+                </a:solidFill>
+              </a:rPr>
+              <a:t>, </a:t>
+            </a:r>
+            <a:r>
+              <a:rPr sz="2500" dirty="0" err="1">
+                <a:solidFill>
+                  <a:schemeClr val="bg1"/>
+                </a:solidFill>
+              </a:rPr>
+              <a:t>situações</a:t>
+            </a:r>
+            <a:r>
+              <a:rPr sz="2500" dirty="0">
+                <a:solidFill>
+                  <a:schemeClr val="bg1"/>
+                </a:solidFill>
+              </a:rPr>
+              <a:t> </a:t>
+            </a:r>
+            <a:r>
+              <a:rPr sz="2500" dirty="0" err="1">
+                <a:solidFill>
+                  <a:schemeClr val="bg1"/>
+                </a:solidFill>
+              </a:rPr>
+              <a:t>processuais</a:t>
+            </a:r>
+            <a:r>
+              <a:rPr sz="2500" dirty="0">
+                <a:solidFill>
+                  <a:schemeClr val="bg1"/>
+                </a:solidFill>
+              </a:rPr>
+              <a:t>, </a:t>
+            </a:r>
+            <a:r>
+              <a:rPr sz="2500" dirty="0" err="1">
+                <a:solidFill>
+                  <a:schemeClr val="bg1"/>
+                </a:solidFill>
+              </a:rPr>
+              <a:t>controle</a:t>
+            </a:r>
+            <a:r>
+              <a:rPr sz="2500" dirty="0">
+                <a:solidFill>
+                  <a:schemeClr val="bg1"/>
+                </a:solidFill>
+              </a:rPr>
+              <a:t> de </a:t>
+            </a:r>
+            <a:r>
+              <a:rPr sz="2500" dirty="0" err="1">
+                <a:solidFill>
+                  <a:schemeClr val="bg1"/>
+                </a:solidFill>
+              </a:rPr>
+              <a:t>documentos</a:t>
+            </a:r>
+            <a:r>
+              <a:rPr sz="2500" dirty="0">
+                <a:solidFill>
+                  <a:schemeClr val="bg1"/>
+                </a:solidFill>
+              </a:rPr>
+              <a:t> e </a:t>
+            </a:r>
+            <a:r>
+              <a:rPr sz="2500" dirty="0" err="1">
+                <a:solidFill>
+                  <a:schemeClr val="bg1"/>
+                </a:solidFill>
+              </a:rPr>
+              <a:t>honorários</a:t>
+            </a:r>
+            <a:r>
+              <a:rPr sz="2500" dirty="0">
+                <a:solidFill>
+                  <a:schemeClr val="bg1"/>
+                </a:solidFill>
+              </a:rPr>
+              <a:t> </a:t>
+            </a:r>
+            <a:r>
+              <a:rPr sz="2500" dirty="0" err="1">
+                <a:solidFill>
+                  <a:schemeClr val="bg1"/>
+                </a:solidFill>
+              </a:rPr>
+              <a:t>advocatícios</a:t>
+            </a:r>
+            <a:r>
+              <a:rPr sz="2500" dirty="0">
+                <a:solidFill>
+                  <a:schemeClr val="bg1"/>
+                </a:solidFill>
+              </a:rPr>
+              <a:t>.</a:t>
+            </a:r>
           </a:p>
         </p:txBody>
       </p:sp>
     </p:spTree>
     <p:extLst>
       <p:ext uri="{BB962C8B-B14F-4D97-AF65-F5344CB8AC3E}">
-        <p14:creationId xmlns:p14="http://schemas.microsoft.com/office/powerpoint/2010/main" val="3750827838"/>
+        <p14:creationId xmlns:p14="http://schemas.microsoft.com/office/powerpoint/2010/main" val="3110026385"/>
       </p:ext>
     </p:extLst>
   </p:cSld>
@@ -4009,8 +4581,8 @@
         </p:nvSpPr>
         <p:spPr>
           <a:xfrm>
-            <a:off x="2255226" y="1927592"/>
-            <a:ext cx="4633547" cy="657347"/>
+            <a:off x="2031024" y="1927592"/>
+            <a:ext cx="4857750" cy="657347"/>
           </a:xfrm>
         </p:spPr>
         <p:txBody>
@@ -4020,20 +4592,12 @@
           <a:lstStyle/>
           <a:p>
             <a:r>
-              <a:rPr b="1" dirty="0" smtClean="0">
-                <a:solidFill>
-                  <a:schemeClr val="bg1"/>
-                </a:solidFill>
-              </a:rPr>
-              <a:t> </a:t>
-            </a:r>
-            <a:r>
-              <a:rPr b="1" dirty="0" err="1">
-                <a:solidFill>
-                  <a:schemeClr val="bg1"/>
-                </a:solidFill>
-              </a:rPr>
-              <a:t>Funcionalidades</a:t>
+              <a:rPr lang="pt-BR" b="1" dirty="0">
+                <a:solidFill>
+                  <a:schemeClr val="bg1"/>
+                </a:solidFill>
+              </a:rPr>
+              <a:t>Resumo</a:t>
             </a:r>
             <a:endParaRPr b="1" dirty="0">
               <a:solidFill>
@@ -4055,389 +4619,63 @@
         </p:nvSpPr>
         <p:spPr>
           <a:xfrm>
-            <a:off x="1356212" y="3226777"/>
-            <a:ext cx="6431573" cy="2382715"/>
+            <a:off x="1356213" y="4378571"/>
+            <a:ext cx="6431573" cy="1424354"/>
           </a:xfrm>
         </p:spPr>
         <p:txBody>
           <a:bodyPr>
-            <a:normAutofit fontScale="70000" lnSpcReduction="20000"/>
+            <a:normAutofit/>
           </a:bodyPr>
           <a:lstStyle/>
           <a:p>
-            <a:r>
-              <a:rPr dirty="0" smtClean="0">
-                <a:solidFill>
-                  <a:schemeClr val="bg1"/>
-                </a:solidFill>
-              </a:rPr>
-              <a:t>Dashboard </a:t>
-            </a:r>
-            <a:r>
-              <a:rPr dirty="0">
-                <a:solidFill>
-                  <a:schemeClr val="bg1"/>
-                </a:solidFill>
-              </a:rPr>
-              <a:t>com </a:t>
-            </a:r>
-            <a:r>
-              <a:rPr dirty="0" err="1">
-                <a:solidFill>
-                  <a:schemeClr val="bg1"/>
-                </a:solidFill>
-              </a:rPr>
-              <a:t>indicadores</a:t>
-            </a:r>
-            <a:r>
-              <a:rPr dirty="0">
-                <a:solidFill>
-                  <a:schemeClr val="bg1"/>
-                </a:solidFill>
-              </a:rPr>
-              <a:t> </a:t>
-            </a:r>
-            <a:r>
-              <a:rPr dirty="0" err="1">
-                <a:solidFill>
-                  <a:schemeClr val="bg1"/>
-                </a:solidFill>
-              </a:rPr>
-              <a:t>gerais</a:t>
-            </a:r>
-            <a:endParaRPr dirty="0">
+            <a:pPr marL="0" indent="0" algn="ctr">
+              <a:buNone/>
+            </a:pPr>
+            <a:r>
+              <a:rPr lang="pt-BR" sz="2500" dirty="0">
+                <a:solidFill>
+                  <a:schemeClr val="bg1"/>
+                </a:solidFill>
+              </a:rPr>
+              <a:t>O </a:t>
+            </a:r>
+            <a:r>
+              <a:rPr lang="pt-BR" sz="2500" dirty="0" err="1">
+                <a:solidFill>
+                  <a:schemeClr val="bg1"/>
+                </a:solidFill>
+              </a:rPr>
+              <a:t>Dashboard</a:t>
+            </a:r>
+            <a:r>
+              <a:rPr lang="pt-BR" sz="2500" dirty="0">
+                <a:solidFill>
+                  <a:schemeClr val="bg1"/>
+                </a:solidFill>
+              </a:rPr>
+              <a:t> SAPRE facilita o monitoramento de precatórios no TJBA, com filtros, gráficos e relatórios </a:t>
+            </a:r>
+            <a:r>
+              <a:rPr lang="pt-BR" sz="2500" dirty="0" smtClean="0">
+                <a:solidFill>
+                  <a:schemeClr val="bg1"/>
+                </a:solidFill>
+              </a:rPr>
+              <a:t>automáticos.</a:t>
+            </a:r>
+            <a:endParaRPr lang="pt-BR" sz="2500" dirty="0">
               <a:solidFill>
                 <a:schemeClr val="bg1"/>
               </a:solidFill>
             </a:endParaRPr>
           </a:p>
-          <a:p>
-            <a:r>
-              <a:rPr dirty="0" err="1" smtClean="0">
-                <a:solidFill>
-                  <a:schemeClr val="bg1"/>
-                </a:solidFill>
-              </a:rPr>
-              <a:t>Alertas</a:t>
-            </a:r>
-            <a:r>
-              <a:rPr dirty="0" smtClean="0">
-                <a:solidFill>
-                  <a:schemeClr val="bg1"/>
-                </a:solidFill>
-              </a:rPr>
-              <a:t> </a:t>
-            </a:r>
-            <a:r>
-              <a:rPr dirty="0" err="1">
-                <a:solidFill>
-                  <a:schemeClr val="bg1"/>
-                </a:solidFill>
-              </a:rPr>
-              <a:t>automáticos</a:t>
-            </a:r>
-            <a:r>
-              <a:rPr dirty="0">
-                <a:solidFill>
-                  <a:schemeClr val="bg1"/>
-                </a:solidFill>
-              </a:rPr>
-              <a:t> para </a:t>
-            </a:r>
-            <a:r>
-              <a:rPr dirty="0" err="1">
-                <a:solidFill>
-                  <a:schemeClr val="bg1"/>
-                </a:solidFill>
-              </a:rPr>
-              <a:t>documentos</a:t>
-            </a:r>
-            <a:r>
-              <a:rPr dirty="0">
-                <a:solidFill>
-                  <a:schemeClr val="bg1"/>
-                </a:solidFill>
-              </a:rPr>
-              <a:t> </a:t>
-            </a:r>
-            <a:r>
-              <a:rPr dirty="0" err="1">
-                <a:solidFill>
-                  <a:schemeClr val="bg1"/>
-                </a:solidFill>
-              </a:rPr>
-              <a:t>incompletos</a:t>
-            </a:r>
-            <a:endParaRPr dirty="0">
-              <a:solidFill>
-                <a:schemeClr val="bg1"/>
-              </a:solidFill>
-            </a:endParaRPr>
-          </a:p>
-          <a:p>
-            <a:r>
-              <a:rPr dirty="0" err="1" smtClean="0">
-                <a:solidFill>
-                  <a:schemeClr val="bg1"/>
-                </a:solidFill>
-              </a:rPr>
-              <a:t>Gráficos</a:t>
-            </a:r>
-            <a:r>
-              <a:rPr dirty="0" smtClean="0">
-                <a:solidFill>
-                  <a:schemeClr val="bg1"/>
-                </a:solidFill>
-              </a:rPr>
-              <a:t> </a:t>
-            </a:r>
-            <a:r>
-              <a:rPr dirty="0" err="1">
-                <a:solidFill>
-                  <a:schemeClr val="bg1"/>
-                </a:solidFill>
-              </a:rPr>
-              <a:t>interativos</a:t>
-            </a:r>
-            <a:r>
-              <a:rPr dirty="0">
-                <a:solidFill>
-                  <a:schemeClr val="bg1"/>
-                </a:solidFill>
-              </a:rPr>
-              <a:t> (</a:t>
-            </a:r>
-            <a:r>
-              <a:rPr dirty="0" err="1">
-                <a:solidFill>
-                  <a:schemeClr val="bg1"/>
-                </a:solidFill>
-              </a:rPr>
-              <a:t>situação</a:t>
-            </a:r>
-            <a:r>
-              <a:rPr dirty="0">
-                <a:solidFill>
-                  <a:schemeClr val="bg1"/>
-                </a:solidFill>
-              </a:rPr>
-              <a:t>, </a:t>
-            </a:r>
-            <a:r>
-              <a:rPr dirty="0" err="1">
-                <a:solidFill>
-                  <a:schemeClr val="bg1"/>
-                </a:solidFill>
-              </a:rPr>
-              <a:t>honorários</a:t>
-            </a:r>
-            <a:r>
-              <a:rPr dirty="0">
-                <a:solidFill>
-                  <a:schemeClr val="bg1"/>
-                </a:solidFill>
-              </a:rPr>
-              <a:t>, </a:t>
-            </a:r>
-            <a:r>
-              <a:rPr dirty="0" err="1">
-                <a:solidFill>
-                  <a:schemeClr val="bg1"/>
-                </a:solidFill>
-              </a:rPr>
-              <a:t>anexos</a:t>
-            </a:r>
-            <a:r>
-              <a:rPr dirty="0">
-                <a:solidFill>
-                  <a:schemeClr val="bg1"/>
-                </a:solidFill>
-              </a:rPr>
-              <a:t>)</a:t>
-            </a:r>
-          </a:p>
-          <a:p>
-            <a:r>
-              <a:rPr dirty="0" err="1" smtClean="0">
-                <a:solidFill>
-                  <a:schemeClr val="bg1"/>
-                </a:solidFill>
-              </a:rPr>
-              <a:t>Análises</a:t>
-            </a:r>
-            <a:r>
-              <a:rPr dirty="0" smtClean="0">
-                <a:solidFill>
-                  <a:schemeClr val="bg1"/>
-                </a:solidFill>
-              </a:rPr>
-              <a:t> </a:t>
-            </a:r>
-            <a:r>
-              <a:rPr dirty="0" err="1">
-                <a:solidFill>
-                  <a:schemeClr val="bg1"/>
-                </a:solidFill>
-              </a:rPr>
-              <a:t>avançadas</a:t>
-            </a:r>
-            <a:r>
-              <a:rPr dirty="0">
-                <a:solidFill>
-                  <a:schemeClr val="bg1"/>
-                </a:solidFill>
-              </a:rPr>
-              <a:t>: </a:t>
-            </a:r>
-            <a:r>
-              <a:rPr dirty="0" err="1">
-                <a:solidFill>
-                  <a:schemeClr val="bg1"/>
-                </a:solidFill>
-              </a:rPr>
-              <a:t>estatísticas</a:t>
-            </a:r>
-            <a:r>
-              <a:rPr dirty="0">
-                <a:solidFill>
-                  <a:schemeClr val="bg1"/>
-                </a:solidFill>
-              </a:rPr>
-              <a:t>, </a:t>
-            </a:r>
-            <a:r>
-              <a:rPr dirty="0" err="1">
-                <a:solidFill>
-                  <a:schemeClr val="bg1"/>
-                </a:solidFill>
-              </a:rPr>
-              <a:t>correlações</a:t>
-            </a:r>
-            <a:r>
-              <a:rPr dirty="0">
-                <a:solidFill>
-                  <a:schemeClr val="bg1"/>
-                </a:solidFill>
-              </a:rPr>
-              <a:t>, </a:t>
-            </a:r>
-            <a:r>
-              <a:rPr dirty="0" err="1">
-                <a:solidFill>
-                  <a:schemeClr val="bg1"/>
-                </a:solidFill>
-              </a:rPr>
-              <a:t>agrupamentos</a:t>
-            </a:r>
-            <a:endParaRPr dirty="0">
-              <a:solidFill>
-                <a:schemeClr val="bg1"/>
-              </a:solidFill>
-            </a:endParaRPr>
-          </a:p>
-          <a:p>
-            <a:r>
-              <a:rPr dirty="0" err="1" smtClean="0">
-                <a:solidFill>
-                  <a:schemeClr val="bg1"/>
-                </a:solidFill>
-              </a:rPr>
-              <a:t>Exportação</a:t>
-            </a:r>
-            <a:r>
-              <a:rPr dirty="0" smtClean="0">
-                <a:solidFill>
-                  <a:schemeClr val="bg1"/>
-                </a:solidFill>
-              </a:rPr>
-              <a:t> </a:t>
-            </a:r>
-            <a:r>
-              <a:rPr dirty="0">
-                <a:solidFill>
-                  <a:schemeClr val="bg1"/>
-                </a:solidFill>
-              </a:rPr>
-              <a:t>de </a:t>
-            </a:r>
-            <a:r>
-              <a:rPr dirty="0" err="1">
-                <a:solidFill>
-                  <a:schemeClr val="bg1"/>
-                </a:solidFill>
-              </a:rPr>
-              <a:t>relatórios</a:t>
-            </a:r>
-            <a:r>
-              <a:rPr dirty="0">
-                <a:solidFill>
-                  <a:schemeClr val="bg1"/>
-                </a:solidFill>
-              </a:rPr>
-              <a:t> para Excel</a:t>
-            </a:r>
-          </a:p>
-          <a:p>
-            <a:r>
-              <a:rPr dirty="0" err="1" smtClean="0">
-                <a:solidFill>
-                  <a:schemeClr val="bg1"/>
-                </a:solidFill>
-              </a:rPr>
-              <a:t>Configurações</a:t>
-            </a:r>
-            <a:r>
-              <a:rPr dirty="0" smtClean="0">
-                <a:solidFill>
-                  <a:schemeClr val="bg1"/>
-                </a:solidFill>
-              </a:rPr>
-              <a:t> </a:t>
-            </a:r>
-            <a:r>
-              <a:rPr dirty="0">
-                <a:solidFill>
-                  <a:schemeClr val="bg1"/>
-                </a:solidFill>
-              </a:rPr>
-              <a:t>de taxa de </a:t>
-            </a:r>
-            <a:r>
-              <a:rPr dirty="0" err="1">
-                <a:solidFill>
-                  <a:schemeClr val="bg1"/>
-                </a:solidFill>
-              </a:rPr>
-              <a:t>honorários</a:t>
-            </a:r>
-            <a:r>
-              <a:rPr dirty="0">
-                <a:solidFill>
-                  <a:schemeClr val="bg1"/>
-                </a:solidFill>
-              </a:rPr>
-              <a:t> e </a:t>
-            </a:r>
-            <a:r>
-              <a:rPr dirty="0" err="1">
-                <a:solidFill>
-                  <a:schemeClr val="bg1"/>
-                </a:solidFill>
-              </a:rPr>
-              <a:t>alertas</a:t>
-            </a:r>
-            <a:endParaRPr dirty="0">
-              <a:solidFill>
-                <a:schemeClr val="bg1"/>
-              </a:solidFill>
-            </a:endParaRPr>
-          </a:p>
         </p:txBody>
       </p:sp>
     </p:spTree>
     <p:extLst>
       <p:ext uri="{BB962C8B-B14F-4D97-AF65-F5344CB8AC3E}">
-        <p14:creationId xmlns:p14="http://schemas.microsoft.com/office/powerpoint/2010/main" val="457346395"/>
+        <p14:creationId xmlns:p14="http://schemas.microsoft.com/office/powerpoint/2010/main" val="3750827838"/>
       </p:ext>
     </p:extLst>
   </p:cSld>
@@ -4506,8 +4744,8 @@
         </p:nvSpPr>
         <p:spPr>
           <a:xfrm>
-            <a:off x="2031024" y="1927592"/>
-            <a:ext cx="4857750" cy="657347"/>
+            <a:off x="2255226" y="1927592"/>
+            <a:ext cx="4633547" cy="657347"/>
           </a:xfrm>
         </p:spPr>
         <p:txBody>
@@ -4525,12 +4763,12 @@
               <a:t> </a:t>
             </a:r>
             <a:r>
-              <a:rPr lang="pt-BR" b="1" dirty="0">
-                <a:solidFill>
-                  <a:schemeClr val="bg1"/>
-                </a:solidFill>
-              </a:rPr>
-              <a:t>Bibliotecas Utilizadas</a:t>
+              <a:rPr b="1" dirty="0" err="1">
+                <a:solidFill>
+                  <a:schemeClr val="bg1"/>
+                </a:solidFill>
+              </a:rPr>
+              <a:t>Funcionalidades</a:t>
             </a:r>
             <a:endParaRPr b="1" dirty="0">
               <a:solidFill>
@@ -4552,26 +4790,42 @@
         </p:nvSpPr>
         <p:spPr>
           <a:xfrm>
-            <a:off x="1356212" y="3226777"/>
+            <a:off x="1356212" y="3429000"/>
             <a:ext cx="6431573" cy="2382715"/>
           </a:xfrm>
         </p:spPr>
         <p:txBody>
           <a:bodyPr>
-            <a:normAutofit fontScale="77500" lnSpcReduction="20000"/>
+            <a:normAutofit fontScale="70000" lnSpcReduction="20000"/>
           </a:bodyPr>
           <a:lstStyle/>
           <a:p>
             <a:r>
-              <a:rPr lang="pt-BR" dirty="0" err="1" smtClean="0">
-                <a:solidFill>
-                  <a:schemeClr val="bg1"/>
-                </a:solidFill>
-              </a:rPr>
-              <a:t>Streamlit</a:t>
-            </a:r>
-            <a:r>
-              <a:rPr lang="pt-BR" dirty="0" smtClean="0">
+              <a:rPr dirty="0" smtClean="0">
+                <a:solidFill>
+                  <a:schemeClr val="bg1"/>
+                </a:solidFill>
+              </a:rPr>
+              <a:t>Dashboard </a:t>
+            </a:r>
+            <a:r>
+              <a:rPr dirty="0">
+                <a:solidFill>
+                  <a:schemeClr val="bg1"/>
+                </a:solidFill>
+              </a:rPr>
+              <a:t>com </a:t>
+            </a:r>
+            <a:r>
+              <a:rPr dirty="0" err="1">
+                <a:solidFill>
+                  <a:schemeClr val="bg1"/>
+                </a:solidFill>
+              </a:rPr>
+              <a:t>indicadores</a:t>
+            </a:r>
+            <a:r>
+              <a:rPr dirty="0">
                 <a:solidFill>
                   <a:schemeClr val="bg1"/>
                 </a:solidFill>
@@ -4579,75 +4833,346 @@
               <a:t> </a:t>
             </a:r>
             <a:r>
-              <a:rPr lang="pt-BR" dirty="0">
-                <a:solidFill>
-                  <a:schemeClr val="bg1"/>
-                </a:solidFill>
-              </a:rPr>
-              <a:t>→ Biblioteca para criação de interfaces web interativas de forma simples e rápida</a:t>
-            </a:r>
-            <a:r>
-              <a:rPr lang="pt-BR" dirty="0" smtClean="0">
-                <a:solidFill>
-                  <a:schemeClr val="bg1"/>
-                </a:solidFill>
-              </a:rPr>
-              <a:t>.</a:t>
-            </a:r>
-          </a:p>
-          <a:p>
-            <a:pPr marL="0" indent="0">
-              <a:buNone/>
-            </a:pPr>
-            <a:r>
-              <a:rPr lang="pt-BR" dirty="0" smtClean="0">
-                <a:solidFill>
-                  <a:schemeClr val="bg1"/>
-                </a:solidFill>
-              </a:rPr>
-              <a:t> </a:t>
-            </a:r>
-          </a:p>
-          <a:p>
-            <a:pPr marL="0" indent="0" algn="ctr">
-              <a:buNone/>
-            </a:pPr>
-            <a:r>
-              <a:rPr lang="pt-BR" dirty="0">
-                <a:solidFill>
-                  <a:schemeClr val="bg1"/>
-                </a:solidFill>
-              </a:rPr>
-              <a:t>Permite construir </a:t>
-            </a:r>
-            <a:r>
-              <a:rPr lang="pt-BR" dirty="0" err="1">
-                <a:solidFill>
-                  <a:schemeClr val="bg1"/>
-                </a:solidFill>
-              </a:rPr>
-              <a:t>dashboards</a:t>
-            </a:r>
-            <a:r>
-              <a:rPr lang="pt-BR" dirty="0">
-                <a:solidFill>
-                  <a:schemeClr val="bg1"/>
-                </a:solidFill>
-              </a:rPr>
-              <a:t> e aplicativos de dados sem precisar de frameworks complexos de front-end.</a:t>
-            </a:r>
-            <a:endParaRPr lang="pt-BR" dirty="0">
+              <a:rPr dirty="0" err="1">
+                <a:solidFill>
+                  <a:schemeClr val="bg1"/>
+                </a:solidFill>
+              </a:rPr>
+              <a:t>gerais</a:t>
+            </a:r>
+            <a:endParaRPr dirty="0">
               <a:solidFill>
                 <a:schemeClr val="bg1"/>
               </a:solidFill>
             </a:endParaRPr>
           </a:p>
+          <a:p>
+            <a:r>
+              <a:rPr dirty="0" err="1" smtClean="0">
+                <a:solidFill>
+                  <a:schemeClr val="bg1"/>
+                </a:solidFill>
+              </a:rPr>
+              <a:t>Alertas</a:t>
+            </a:r>
+            <a:r>
+              <a:rPr dirty="0" smtClean="0">
+                <a:solidFill>
+                  <a:schemeClr val="bg1"/>
+                </a:solidFill>
+              </a:rPr>
+              <a:t> </a:t>
+            </a:r>
+            <a:r>
+              <a:rPr dirty="0" err="1">
+                <a:solidFill>
+                  <a:schemeClr val="bg1"/>
+                </a:solidFill>
+              </a:rPr>
+              <a:t>automáticos</a:t>
+            </a:r>
+            <a:r>
+              <a:rPr dirty="0">
+                <a:solidFill>
+                  <a:schemeClr val="bg1"/>
+                </a:solidFill>
+              </a:rPr>
+              <a:t> para </a:t>
+            </a:r>
+            <a:r>
+              <a:rPr dirty="0" err="1">
+                <a:solidFill>
+                  <a:schemeClr val="bg1"/>
+                </a:solidFill>
+              </a:rPr>
+              <a:t>documentos</a:t>
+            </a:r>
+            <a:r>
+              <a:rPr dirty="0">
+                <a:solidFill>
+                  <a:schemeClr val="bg1"/>
+                </a:solidFill>
+              </a:rPr>
+              <a:t> </a:t>
+            </a:r>
+            <a:r>
+              <a:rPr dirty="0" err="1">
+                <a:solidFill>
+                  <a:schemeClr val="bg1"/>
+                </a:solidFill>
+              </a:rPr>
+              <a:t>incompletos</a:t>
+            </a:r>
+            <a:endParaRPr dirty="0">
+              <a:solidFill>
+                <a:schemeClr val="bg1"/>
+              </a:solidFill>
+            </a:endParaRPr>
+          </a:p>
+          <a:p>
+            <a:r>
+              <a:rPr dirty="0" err="1" smtClean="0">
+                <a:solidFill>
+                  <a:schemeClr val="bg1"/>
+                </a:solidFill>
+              </a:rPr>
+              <a:t>Gráficos</a:t>
+            </a:r>
+            <a:r>
+              <a:rPr dirty="0" smtClean="0">
+                <a:solidFill>
+                  <a:schemeClr val="bg1"/>
+                </a:solidFill>
+              </a:rPr>
+              <a:t> </a:t>
+            </a:r>
+            <a:r>
+              <a:rPr dirty="0" err="1">
+                <a:solidFill>
+                  <a:schemeClr val="bg1"/>
+                </a:solidFill>
+              </a:rPr>
+              <a:t>interativos</a:t>
+            </a:r>
+            <a:r>
+              <a:rPr dirty="0">
+                <a:solidFill>
+                  <a:schemeClr val="bg1"/>
+                </a:solidFill>
+              </a:rPr>
+              <a:t> (</a:t>
+            </a:r>
+            <a:r>
+              <a:rPr dirty="0" err="1">
+                <a:solidFill>
+                  <a:schemeClr val="bg1"/>
+                </a:solidFill>
+              </a:rPr>
+              <a:t>situação</a:t>
+            </a:r>
+            <a:r>
+              <a:rPr dirty="0">
+                <a:solidFill>
+                  <a:schemeClr val="bg1"/>
+                </a:solidFill>
+              </a:rPr>
+              <a:t>, </a:t>
+            </a:r>
+            <a:r>
+              <a:rPr dirty="0" err="1">
+                <a:solidFill>
+                  <a:schemeClr val="bg1"/>
+                </a:solidFill>
+              </a:rPr>
+              <a:t>honorários</a:t>
+            </a:r>
+            <a:r>
+              <a:rPr dirty="0">
+                <a:solidFill>
+                  <a:schemeClr val="bg1"/>
+                </a:solidFill>
+              </a:rPr>
+              <a:t>, </a:t>
+            </a:r>
+            <a:r>
+              <a:rPr dirty="0" err="1">
+                <a:solidFill>
+                  <a:schemeClr val="bg1"/>
+                </a:solidFill>
+              </a:rPr>
+              <a:t>anexos</a:t>
+            </a:r>
+            <a:r>
+              <a:rPr dirty="0">
+                <a:solidFill>
+                  <a:schemeClr val="bg1"/>
+                </a:solidFill>
+              </a:rPr>
+              <a:t>)</a:t>
+            </a:r>
+          </a:p>
+          <a:p>
+            <a:r>
+              <a:rPr dirty="0" err="1" smtClean="0">
+                <a:solidFill>
+                  <a:schemeClr val="bg1"/>
+                </a:solidFill>
+              </a:rPr>
+              <a:t>Análises</a:t>
+            </a:r>
+            <a:r>
+              <a:rPr dirty="0" smtClean="0">
+                <a:solidFill>
+                  <a:schemeClr val="bg1"/>
+                </a:solidFill>
+              </a:rPr>
+              <a:t> </a:t>
+            </a:r>
+            <a:r>
+              <a:rPr dirty="0" err="1">
+                <a:solidFill>
+                  <a:schemeClr val="bg1"/>
+                </a:solidFill>
+              </a:rPr>
+              <a:t>avançadas</a:t>
+            </a:r>
+            <a:r>
+              <a:rPr dirty="0">
+                <a:solidFill>
+                  <a:schemeClr val="bg1"/>
+                </a:solidFill>
+              </a:rPr>
+              <a:t>: </a:t>
+            </a:r>
+            <a:r>
+              <a:rPr dirty="0" err="1">
+                <a:solidFill>
+                  <a:schemeClr val="bg1"/>
+                </a:solidFill>
+              </a:rPr>
+              <a:t>estatísticas</a:t>
+            </a:r>
+            <a:r>
+              <a:rPr dirty="0">
+                <a:solidFill>
+                  <a:schemeClr val="bg1"/>
+                </a:solidFill>
+              </a:rPr>
+              <a:t>, </a:t>
+            </a:r>
+            <a:r>
+              <a:rPr dirty="0" err="1">
+                <a:solidFill>
+                  <a:schemeClr val="bg1"/>
+                </a:solidFill>
+              </a:rPr>
+              <a:t>correlações</a:t>
+            </a:r>
+            <a:r>
+              <a:rPr dirty="0">
+                <a:solidFill>
+                  <a:schemeClr val="bg1"/>
+                </a:solidFill>
+              </a:rPr>
+              <a:t>, </a:t>
+            </a:r>
+            <a:r>
+              <a:rPr dirty="0" err="1">
+                <a:solidFill>
+                  <a:schemeClr val="bg1"/>
+                </a:solidFill>
+              </a:rPr>
+              <a:t>agrupamentos</a:t>
+            </a:r>
+            <a:endParaRPr dirty="0">
+              <a:solidFill>
+                <a:schemeClr val="bg1"/>
+              </a:solidFill>
+            </a:endParaRPr>
+          </a:p>
+          <a:p>
+            <a:r>
+              <a:rPr dirty="0" err="1" smtClean="0">
+                <a:solidFill>
+                  <a:schemeClr val="bg1"/>
+                </a:solidFill>
+              </a:rPr>
+              <a:t>Exportação</a:t>
+            </a:r>
+            <a:r>
+              <a:rPr dirty="0" smtClean="0">
+                <a:solidFill>
+                  <a:schemeClr val="bg1"/>
+                </a:solidFill>
+              </a:rPr>
+              <a:t> </a:t>
+            </a:r>
+            <a:r>
+              <a:rPr dirty="0">
+                <a:solidFill>
+                  <a:schemeClr val="bg1"/>
+                </a:solidFill>
+              </a:rPr>
+              <a:t>de </a:t>
+            </a:r>
+            <a:r>
+              <a:rPr dirty="0" err="1">
+                <a:solidFill>
+                  <a:schemeClr val="bg1"/>
+                </a:solidFill>
+              </a:rPr>
+              <a:t>relatórios</a:t>
+            </a:r>
+            <a:r>
+              <a:rPr dirty="0">
+                <a:solidFill>
+                  <a:schemeClr val="bg1"/>
+                </a:solidFill>
+              </a:rPr>
+              <a:t> para Excel</a:t>
+            </a:r>
+          </a:p>
+          <a:p>
+            <a:r>
+              <a:rPr dirty="0" err="1" smtClean="0">
+                <a:solidFill>
+                  <a:schemeClr val="bg1"/>
+                </a:solidFill>
+              </a:rPr>
+              <a:t>Configurações</a:t>
+            </a:r>
+            <a:r>
+              <a:rPr dirty="0" smtClean="0">
+                <a:solidFill>
+                  <a:schemeClr val="bg1"/>
+                </a:solidFill>
+              </a:rPr>
+              <a:t> </a:t>
+            </a:r>
+            <a:r>
+              <a:rPr dirty="0">
+                <a:solidFill>
+                  <a:schemeClr val="bg1"/>
+                </a:solidFill>
+              </a:rPr>
+              <a:t>de taxa de </a:t>
+            </a:r>
+            <a:r>
+              <a:rPr dirty="0" err="1">
+                <a:solidFill>
+                  <a:schemeClr val="bg1"/>
+                </a:solidFill>
+              </a:rPr>
+              <a:t>honorários</a:t>
+            </a:r>
+            <a:r>
+              <a:rPr dirty="0">
+                <a:solidFill>
+                  <a:schemeClr val="bg1"/>
+                </a:solidFill>
+              </a:rPr>
+              <a:t> e </a:t>
+            </a:r>
+            <a:r>
+              <a:rPr dirty="0" err="1">
+                <a:solidFill>
+                  <a:schemeClr val="bg1"/>
+                </a:solidFill>
+              </a:rPr>
+              <a:t>alertas</a:t>
+            </a:r>
+            <a:endParaRPr dirty="0">
+              <a:solidFill>
+                <a:schemeClr val="bg1"/>
+              </a:solidFill>
+            </a:endParaRPr>
+          </a:p>
         </p:txBody>
       </p:sp>
     </p:spTree>
     <p:extLst>
       <p:ext uri="{BB962C8B-B14F-4D97-AF65-F5344CB8AC3E}">
-        <p14:creationId xmlns:p14="http://schemas.microsoft.com/office/powerpoint/2010/main" val="3106198382"/>
+        <p14:creationId xmlns:p14="http://schemas.microsoft.com/office/powerpoint/2010/main" val="457346395"/>
       </p:ext>
     </p:extLst>
   </p:cSld>
@@ -4762,23 +5287,31 @@
         </p:nvSpPr>
         <p:spPr>
           <a:xfrm>
-            <a:off x="1356212" y="3226777"/>
+            <a:off x="1356213" y="3429000"/>
             <a:ext cx="6431573" cy="2382715"/>
           </a:xfrm>
         </p:spPr>
         <p:txBody>
           <a:bodyPr>
-            <a:normAutofit fontScale="85000" lnSpcReduction="20000"/>
+            <a:normAutofit fontScale="77500" lnSpcReduction="20000"/>
           </a:bodyPr>
           <a:lstStyle/>
           <a:p>
             <a:r>
+              <a:rPr lang="pt-BR" dirty="0" err="1" smtClean="0">
+                <a:solidFill>
+                  <a:schemeClr val="bg1"/>
+                </a:solidFill>
+              </a:rPr>
+              <a:t>Streamlit</a:t>
+            </a:r>
+            <a:r>
               <a:rPr lang="pt-BR" dirty="0" smtClean="0">
                 <a:solidFill>
                   <a:schemeClr val="bg1"/>
                 </a:solidFill>
               </a:rPr>
-              <a:t>Pandas </a:t>
+              <a:t> </a:t>
             </a:r>
             <a:r>
               <a:rPr lang="pt-BR" dirty="0">
@@ -4786,7 +5319,7 @@
                   <a:schemeClr val="bg1"/>
                 </a:solidFill>
               </a:rPr>
-              <a:t>→ Utilizada para manipulação e análise de dados </a:t>
+              <a:t>→ Biblioteca para criação de interfaces web interativas de forma simples e rápida</a:t>
             </a:r>
             <a:r>
               <a:rPr lang="pt-BR" dirty="0" smtClean="0">
@@ -4794,36 +5327,33 @@
                   <a:schemeClr val="bg1"/>
                 </a:solidFill>
               </a:rPr>
-              <a:t>tabulares. </a:t>
-            </a:r>
-          </a:p>
-          <a:p>
-            <a:pPr algn="just"/>
-            <a:endParaRPr lang="pt-BR" dirty="0">
-              <a:solidFill>
-                <a:schemeClr val="bg1"/>
-              </a:solidFill>
-            </a:endParaRPr>
+              <a:t>.</a:t>
+            </a:r>
+          </a:p>
+          <a:p>
+            <a:pPr marL="0" indent="0">
+              <a:buNone/>
+            </a:pPr>
+            <a:r>
+              <a:rPr lang="pt-BR" dirty="0" smtClean="0">
+                <a:solidFill>
+                  <a:schemeClr val="bg1"/>
+                </a:solidFill>
+              </a:rPr>
+              <a:t> </a:t>
+            </a:r>
           </a:p>
           <a:p>
             <a:pPr marL="0" indent="0" algn="ctr">
               <a:buNone/>
             </a:pPr>
             <a:r>
-              <a:rPr lang="pt-BR" dirty="0" smtClean="0">
-                <a:solidFill>
-                  <a:schemeClr val="bg1"/>
-                </a:solidFill>
-              </a:rPr>
-              <a:t>No </a:t>
-            </a:r>
-            <a:r>
               <a:rPr lang="pt-BR" dirty="0">
                 <a:solidFill>
                   <a:schemeClr val="bg1"/>
                 </a:solidFill>
               </a:rPr>
-              <a:t>projeto, organiza os precatórios em </a:t>
+              <a:t>Permite construir </a:t>
             </a:r>
             <a:r>
               <a:rPr lang="pt-BR" dirty="0" err="1">
@@ -4831,7 +5361,7 @@
                   <a:schemeClr val="bg1"/>
                 </a:solidFill>
               </a:rPr>
-              <a:t>DataFrames</a:t>
+              <a:t>dashboards</a:t>
             </a:r>
             <a:r>
               <a:rPr lang="pt-BR" dirty="0">
@@ -4839,20 +5369,15 @@
                   <a:schemeClr val="bg1"/>
                 </a:solidFill>
               </a:rPr>
-              <a:t>, permitindo aplicar filtros e cálculos de forma eficiente.</a:t>
-            </a:r>
-            <a:endParaRPr lang="pt-BR" dirty="0">
-              <a:solidFill>
-                <a:schemeClr val="bg1"/>
-              </a:solidFill>
-            </a:endParaRPr>
+              <a:t> e aplicativos de dados sem precisar de frameworks complexos de front-end.</a:t>
+            </a:r>
           </a:p>
         </p:txBody>
       </p:sp>
     </p:spTree>
     <p:extLst>
       <p:ext uri="{BB962C8B-B14F-4D97-AF65-F5344CB8AC3E}">
-        <p14:creationId xmlns:p14="http://schemas.microsoft.com/office/powerpoint/2010/main" val="247546402"/>
+        <p14:creationId xmlns:p14="http://schemas.microsoft.com/office/powerpoint/2010/main" val="3106198382"/>
       </p:ext>
     </p:extLst>
   </p:cSld>
@@ -4967,104 +5492,84 @@
         </p:nvSpPr>
         <p:spPr>
           <a:xfrm>
-            <a:off x="1356212" y="3226777"/>
+            <a:off x="1356213" y="3429000"/>
             <a:ext cx="6431573" cy="2382715"/>
           </a:xfrm>
         </p:spPr>
         <p:txBody>
           <a:bodyPr>
-            <a:normAutofit fontScale="85000" lnSpcReduction="20000"/>
+            <a:noAutofit/>
           </a:bodyPr>
           <a:lstStyle/>
           <a:p>
             <a:r>
-              <a:rPr lang="pt-BR" dirty="0" err="1" smtClean="0">
-                <a:solidFill>
-                  <a:schemeClr val="bg1"/>
-                </a:solidFill>
-              </a:rPr>
-              <a:t>NumPy</a:t>
-            </a:r>
-            <a:r>
-              <a:rPr lang="pt-BR" dirty="0" smtClean="0">
-                <a:solidFill>
-                  <a:schemeClr val="bg1"/>
-                </a:solidFill>
-              </a:rPr>
-              <a:t> → Biblioteca </a:t>
-            </a:r>
-            <a:r>
-              <a:rPr lang="pt-BR" dirty="0">
-                <a:solidFill>
-                  <a:schemeClr val="bg1"/>
-                </a:solidFill>
-              </a:rPr>
-              <a:t>para computação numérica. </a:t>
-            </a:r>
-            <a:endParaRPr lang="pt-BR" dirty="0" smtClean="0">
+              <a:rPr lang="pt-BR" sz="2500" dirty="0" smtClean="0">
+                <a:solidFill>
+                  <a:schemeClr val="bg1"/>
+                </a:solidFill>
+              </a:rPr>
+              <a:t>Pandas </a:t>
+            </a:r>
+            <a:r>
+              <a:rPr lang="pt-BR" sz="2500" dirty="0">
+                <a:solidFill>
+                  <a:schemeClr val="bg1"/>
+                </a:solidFill>
+              </a:rPr>
+              <a:t>→ Utilizada para manipulação e análise de dados </a:t>
+            </a:r>
+            <a:r>
+              <a:rPr lang="pt-BR" sz="2500" dirty="0" smtClean="0">
+                <a:solidFill>
+                  <a:schemeClr val="bg1"/>
+                </a:solidFill>
+              </a:rPr>
+              <a:t>tabulares. </a:t>
+            </a:r>
+          </a:p>
+          <a:p>
+            <a:pPr algn="just"/>
+            <a:endParaRPr lang="pt-BR" sz="2500" dirty="0">
               <a:solidFill>
                 <a:schemeClr val="bg1"/>
               </a:solidFill>
             </a:endParaRPr>
           </a:p>
           <a:p>
-            <a:endParaRPr lang="pt-BR" dirty="0">
-              <a:solidFill>
-                <a:schemeClr val="bg1"/>
-              </a:solidFill>
-            </a:endParaRPr>
-          </a:p>
-          <a:p>
             <a:pPr marL="0" indent="0" algn="ctr">
               <a:buNone/>
             </a:pPr>
             <a:r>
-              <a:rPr lang="pt-BR" dirty="0" smtClean="0">
-                <a:solidFill>
-                  <a:schemeClr val="bg1"/>
-                </a:solidFill>
-              </a:rPr>
-              <a:t>Foi </a:t>
-            </a:r>
-            <a:r>
-              <a:rPr lang="pt-BR" dirty="0">
-                <a:solidFill>
-                  <a:schemeClr val="bg1"/>
-                </a:solidFill>
-              </a:rPr>
-              <a:t>usada para </a:t>
-            </a:r>
-            <a:r>
-              <a:rPr lang="pt-BR" b="1" dirty="0" smtClean="0">
-                <a:solidFill>
-                  <a:schemeClr val="bg1"/>
-                </a:solidFill>
-              </a:rPr>
-              <a:t>gerar </a:t>
-            </a:r>
-            <a:r>
-              <a:rPr lang="pt-BR" b="1" dirty="0">
-                <a:solidFill>
-                  <a:schemeClr val="bg1"/>
-                </a:solidFill>
-              </a:rPr>
-              <a:t>dados </a:t>
-            </a:r>
-            <a:r>
-              <a:rPr lang="pt-BR" b="1" dirty="0" smtClean="0">
-                <a:solidFill>
-                  <a:schemeClr val="bg1"/>
-                </a:solidFill>
-              </a:rPr>
-              <a:t>simulados </a:t>
-            </a:r>
-            <a:r>
-              <a:rPr lang="pt-BR" dirty="0">
-                <a:solidFill>
-                  <a:schemeClr val="bg1"/>
-                </a:solidFill>
-              </a:rPr>
-              <a:t>(números aleatórios, amostragens) e auxiliar em cálculos matemáticos.</a:t>
+              <a:rPr lang="pt-BR" sz="2500" dirty="0" smtClean="0">
+                <a:solidFill>
+                  <a:schemeClr val="bg1"/>
+                </a:solidFill>
+              </a:rPr>
+              <a:t>No </a:t>
+            </a:r>
+            <a:r>
+              <a:rPr lang="pt-BR" sz="2500" dirty="0">
+                <a:solidFill>
+                  <a:schemeClr val="bg1"/>
+                </a:solidFill>
+              </a:rPr>
+              <a:t>projeto, organiza os precatórios em </a:t>
+            </a:r>
+            <a:r>
+              <a:rPr lang="pt-BR" sz="2500" dirty="0" err="1">
+                <a:solidFill>
+                  <a:schemeClr val="bg1"/>
+                </a:solidFill>
+              </a:rPr>
+              <a:t>DataFrames</a:t>
+            </a:r>
+            <a:r>
+              <a:rPr lang="pt-BR" sz="2500" dirty="0">
+                <a:solidFill>
+                  <a:schemeClr val="bg1"/>
+                </a:solidFill>
+              </a:rPr>
+              <a:t>, permitindo aplicar filtros e cálculos de forma eficiente.</a:t>
             </a:r>
           </a:p>
         </p:txBody>
@@ -5072,7 +5577,7 @@
     </p:spTree>
     <p:extLst>
       <p:ext uri="{BB962C8B-B14F-4D97-AF65-F5344CB8AC3E}">
-        <p14:creationId xmlns:p14="http://schemas.microsoft.com/office/powerpoint/2010/main" val="1215654787"/>
+        <p14:creationId xmlns:p14="http://schemas.microsoft.com/office/powerpoint/2010/main" val="247546402"/>
       </p:ext>
     </p:extLst>
   </p:cSld>
@@ -5187,80 +5692,48 @@
         </p:nvSpPr>
         <p:spPr>
           <a:xfrm>
-            <a:off x="1356212" y="3226777"/>
+            <a:off x="1356213" y="3429000"/>
             <a:ext cx="6431573" cy="2382715"/>
           </a:xfrm>
         </p:spPr>
         <p:txBody>
           <a:bodyPr>
-            <a:normAutofit fontScale="77500" lnSpcReduction="20000"/>
+            <a:noAutofit/>
           </a:bodyPr>
           <a:lstStyle/>
           <a:p>
             <a:r>
-              <a:rPr lang="pt-BR" dirty="0" err="1">
-                <a:solidFill>
-                  <a:schemeClr val="bg1"/>
-                </a:solidFill>
-              </a:rPr>
-              <a:t>Plotly</a:t>
-            </a:r>
-            <a:r>
-              <a:rPr lang="pt-BR" dirty="0">
-                <a:solidFill>
-                  <a:schemeClr val="bg1"/>
-                </a:solidFill>
-              </a:rPr>
-              <a:t> → </a:t>
-            </a:r>
-            <a:r>
-              <a:rPr lang="pt-BR" dirty="0" smtClean="0">
-                <a:solidFill>
-                  <a:schemeClr val="bg1"/>
-                </a:solidFill>
-              </a:rPr>
-              <a:t>Ferramenta </a:t>
-            </a:r>
-            <a:r>
-              <a:rPr lang="pt-BR" dirty="0">
-                <a:solidFill>
-                  <a:schemeClr val="bg1"/>
-                </a:solidFill>
-              </a:rPr>
-              <a:t>para construção de </a:t>
-            </a:r>
-            <a:r>
-              <a:rPr lang="pt-BR" b="1" dirty="0" smtClean="0">
-                <a:solidFill>
-                  <a:schemeClr val="bg1"/>
-                </a:solidFill>
-              </a:rPr>
-              <a:t>gráficos interativos</a:t>
-            </a:r>
-            <a:r>
-              <a:rPr lang="pt-BR" dirty="0" smtClean="0">
-                <a:solidFill>
-                  <a:schemeClr val="bg1"/>
-                </a:solidFill>
-              </a:rPr>
-              <a:t> </a:t>
-            </a:r>
-            <a:r>
-              <a:rPr lang="pt-BR" dirty="0">
-                <a:solidFill>
-                  <a:schemeClr val="bg1"/>
-                </a:solidFill>
-              </a:rPr>
-              <a:t>em Python.    </a:t>
-            </a:r>
-            <a:endParaRPr lang="pt-BR" dirty="0" smtClean="0">
+              <a:rPr lang="pt-BR" sz="2500" dirty="0" err="1" smtClean="0">
+                <a:solidFill>
+                  <a:schemeClr val="bg1"/>
+                </a:solidFill>
+              </a:rPr>
+              <a:t>NumPy</a:t>
+            </a:r>
+            <a:r>
+              <a:rPr lang="pt-BR" sz="2500" dirty="0" smtClean="0">
+                <a:solidFill>
+                  <a:schemeClr val="bg1"/>
+                </a:solidFill>
+              </a:rPr>
+              <a:t> → Biblioteca </a:t>
+            </a:r>
+            <a:r>
+              <a:rPr lang="pt-BR" sz="2500" dirty="0">
+                <a:solidFill>
+                  <a:schemeClr val="bg1"/>
+                </a:solidFill>
+              </a:rPr>
+              <a:t>para computação numérica. </a:t>
+            </a:r>
+            <a:endParaRPr lang="pt-BR" sz="2500" dirty="0" smtClean="0">
               <a:solidFill>
                 <a:schemeClr val="bg1"/>
               </a:solidFill>
             </a:endParaRPr>
           </a:p>
           <a:p>
-            <a:endParaRPr lang="pt-BR" dirty="0">
+            <a:endParaRPr lang="pt-BR" sz="2500" dirty="0">
               <a:solidFill>
                 <a:schemeClr val="bg1"/>
               </a:solidFill>
@@ -5271,28 +5744,52 @@
               <a:buNone/>
             </a:pPr>
             <a:r>
-              <a:rPr lang="pt-BR" dirty="0" smtClean="0">
-                <a:solidFill>
-                  <a:schemeClr val="bg1"/>
-                </a:solidFill>
-              </a:rPr>
-              <a:t>No </a:t>
-            </a:r>
-            <a:r>
-              <a:rPr lang="pt-BR" dirty="0" err="1">
-                <a:solidFill>
-                  <a:schemeClr val="bg1"/>
-                </a:solidFill>
-              </a:rPr>
-              <a:t>dashboard</a:t>
-            </a:r>
-            <a:r>
-              <a:rPr lang="pt-BR" dirty="0">
-                <a:solidFill>
-                  <a:schemeClr val="bg1"/>
-                </a:solidFill>
-              </a:rPr>
-              <a:t>, é usada para criar histogramas, gráficos de barras e visualizações dinâmicas que facilitam a análise.</a:t>
+              <a:rPr lang="pt-BR" sz="2500" dirty="0" smtClean="0">
+                <a:solidFill>
+                  <a:schemeClr val="bg1"/>
+                </a:solidFill>
+              </a:rPr>
+              <a:t>Foi </a:t>
+            </a:r>
+            <a:r>
+              <a:rPr lang="pt-BR" sz="2500" dirty="0">
+                <a:solidFill>
+                  <a:schemeClr val="bg1"/>
+                </a:solidFill>
+              </a:rPr>
+              <a:t>usada para </a:t>
+            </a:r>
+            <a:r>
+              <a:rPr lang="pt-BR" sz="2500" b="1" dirty="0" smtClean="0">
+                <a:solidFill>
+                  <a:schemeClr val="bg1"/>
+                </a:solidFill>
+              </a:rPr>
+              <a:t>gerar </a:t>
+            </a:r>
+            <a:r>
+              <a:rPr lang="pt-BR" sz="2500" b="1" dirty="0">
+                <a:solidFill>
+                  <a:schemeClr val="bg1"/>
+                </a:solidFill>
+              </a:rPr>
+              <a:t>dados </a:t>
+            </a:r>
+            <a:r>
+              <a:rPr lang="pt-BR" sz="2500" b="1" dirty="0" smtClean="0">
+                <a:solidFill>
+                  <a:schemeClr val="bg1"/>
+                </a:solidFill>
+              </a:rPr>
+              <a:t>simulados </a:t>
+            </a:r>
+            <a:r>
+              <a:rPr lang="pt-BR" sz="2500" dirty="0">
+                <a:solidFill>
+                  <a:schemeClr val="bg1"/>
+                </a:solidFill>
+              </a:rPr>
+              <a:t>(números aleatórios, amostragens) e auxiliar em cálculos matemáticos.</a:t>
             </a:r>
           </a:p>
         </p:txBody>
@@ -5300,7 +5797,7 @@
     </p:spTree>
     <p:extLst>
       <p:ext uri="{BB962C8B-B14F-4D97-AF65-F5344CB8AC3E}">
-        <p14:creationId xmlns:p14="http://schemas.microsoft.com/office/powerpoint/2010/main" val="509956112"/>
+        <p14:creationId xmlns:p14="http://schemas.microsoft.com/office/powerpoint/2010/main" val="1215654787"/>
       </p:ext>
     </p:extLst>
   </p:cSld>
@@ -5380,12 +5877,20 @@
           <a:lstStyle/>
           <a:p>
             <a:r>
-              <a:rPr lang="pt-BR" b="1" dirty="0" smtClean="0">
-                <a:solidFill>
-                  <a:schemeClr val="bg1"/>
-                </a:solidFill>
-              </a:rPr>
-              <a:t>Conclusão</a:t>
+              <a:rPr b="1" dirty="0" smtClean="0">
+                <a:solidFill>
+                  <a:schemeClr val="bg1"/>
+                </a:solidFill>
+              </a:rPr>
+              <a:t> </a:t>
+            </a:r>
+            <a:r>
+              <a:rPr lang="pt-BR" b="1" dirty="0">
+                <a:solidFill>
+                  <a:schemeClr val="bg1"/>
+                </a:solidFill>
+              </a:rPr>
+              <a:t>Bibliotecas Utilizadas</a:t>
             </a:r>
             <a:endParaRPr b="1" dirty="0">
               <a:solidFill>
@@ -5407,24 +5912,77 @@
         </p:nvSpPr>
         <p:spPr>
           <a:xfrm>
-            <a:off x="1356212" y="2998177"/>
-            <a:ext cx="6431573" cy="2611315"/>
+            <a:off x="1356213" y="3577349"/>
+            <a:ext cx="6431573" cy="2162908"/>
           </a:xfrm>
         </p:spPr>
         <p:txBody>
           <a:bodyPr>
-            <a:normAutofit fontScale="70000" lnSpcReduction="20000"/>
+            <a:normAutofit fontScale="77500" lnSpcReduction="20000"/>
           </a:bodyPr>
           <a:lstStyle/>
           <a:p>
             <a:r>
+              <a:rPr lang="pt-BR" dirty="0" err="1">
+                <a:solidFill>
+                  <a:schemeClr val="bg1"/>
+                </a:solidFill>
+              </a:rPr>
+              <a:t>Plotly</a:t>
+            </a:r>
+            <a:r>
               <a:rPr lang="pt-BR" dirty="0">
                 <a:solidFill>
                   <a:schemeClr val="bg1"/>
                 </a:solidFill>
               </a:rPr>
-              <a:t>Advogados podem acompanhar rapidamente os honorários e precatórios de seus clientes.</a:t>
-            </a:r>
+              <a:t> → </a:t>
+            </a:r>
+            <a:r>
+              <a:rPr lang="pt-BR" dirty="0" smtClean="0">
+                <a:solidFill>
+                  <a:schemeClr val="bg1"/>
+                </a:solidFill>
+              </a:rPr>
+              <a:t>Ferramenta </a:t>
+            </a:r>
+            <a:r>
+              <a:rPr lang="pt-BR" dirty="0">
+                <a:solidFill>
+                  <a:schemeClr val="bg1"/>
+                </a:solidFill>
+              </a:rPr>
+              <a:t>para construção de </a:t>
+            </a:r>
+            <a:r>
+              <a:rPr lang="pt-BR" b="1" dirty="0" smtClean="0">
+                <a:solidFill>
+                  <a:schemeClr val="bg1"/>
+                </a:solidFill>
+              </a:rPr>
+              <a:t>gráficos interativos</a:t>
+            </a:r>
+            <a:r>
+              <a:rPr lang="pt-BR" dirty="0" smtClean="0">
+                <a:solidFill>
+                  <a:schemeClr val="bg1"/>
+                </a:solidFill>
+              </a:rPr>
+              <a:t> </a:t>
+            </a:r>
+            <a:r>
+              <a:rPr lang="pt-BR" dirty="0">
+                <a:solidFill>
+                  <a:schemeClr val="bg1"/>
+                </a:solidFill>
+              </a:rPr>
+              <a:t>em Python.    </a:t>
+            </a:r>
+            <a:endParaRPr lang="pt-BR" dirty="0" smtClean="0">
+              <a:solidFill>
+                <a:schemeClr val="bg1"/>
+              </a:solidFill>
+            </a:endParaRPr>
           </a:p>
           <a:p>
             <a:endParaRPr lang="pt-BR" dirty="0">
@@ -5434,30 +5992,32 @@
             </a:endParaRPr>
           </a:p>
           <a:p>
+            <a:pPr marL="0" indent="0" algn="ctr">
+              <a:buNone/>
+            </a:pPr>
+            <a:r>
+              <a:rPr lang="pt-BR" dirty="0" smtClean="0">
+                <a:solidFill>
+                  <a:schemeClr val="bg1"/>
+                </a:solidFill>
+              </a:rPr>
+              <a:t>No </a:t>
+            </a:r>
+            <a:r>
+              <a:rPr lang="pt-BR" dirty="0" err="1">
+                <a:solidFill>
+                  <a:schemeClr val="bg1"/>
+                </a:solidFill>
+              </a:rPr>
+              <a:t>dashboard</a:t>
+            </a:r>
             <a:r>
               <a:rPr lang="pt-BR" dirty="0">
                 <a:solidFill>
                   <a:schemeClr val="bg1"/>
                 </a:solidFill>
               </a:rPr>
-              <a:t>Servidores podem monitorar precatórios com pendência de documentos.</a:t>
-            </a:r>
-          </a:p>
-          <a:p>
-            <a:endParaRPr lang="pt-BR" dirty="0">
-              <a:solidFill>
-                <a:schemeClr val="bg1"/>
-              </a:solidFill>
-            </a:endParaRPr>
-          </a:p>
-          <a:p>
-            <a:r>
-              <a:rPr lang="pt-BR" dirty="0">
-                <a:solidFill>
-                  <a:schemeClr val="bg1"/>
-                </a:solidFill>
-              </a:rPr>
-              <a:t>Gestores podem analisar indicadores gerais sem precisar de consultas demoradas no SAPRE.</a:t>
+              <a:t>, é usada para criar histogramas, gráficos de barras e visualizações dinâmicas que facilitam a análise.</a:t>
             </a:r>
           </a:p>
         </p:txBody>
@@ -5465,7 +6025,7 @@
     </p:spTree>
     <p:extLst>
       <p:ext uri="{BB962C8B-B14F-4D97-AF65-F5344CB8AC3E}">
-        <p14:creationId xmlns:p14="http://schemas.microsoft.com/office/powerpoint/2010/main" val="3551415199"/>
+        <p14:creationId xmlns:p14="http://schemas.microsoft.com/office/powerpoint/2010/main" val="509956112"/>
       </p:ext>
     </p:extLst>
   </p:cSld>
